--- a/fullstack/aula/aula3/history music.pptx
+++ b/fullstack/aula/aula3/history music.pptx
@@ -133,7 +133,60 @@
       </a:defRPr>
     </a:lvl9pPr>
   </p:defaultTextStyle>
+  <p:extLst>
+    <p:ext uri="{EFAFB233-063F-42B5-8137-9DF3F51BA10A}">
+      <p15:sldGuideLst xmlns:p15="http://schemas.microsoft.com/office/powerpoint/2012/main">
+        <p15:guide id="1" orient="horz" pos="2160">
+          <p15:clr>
+            <a:srgbClr val="A4A3A4"/>
+          </p15:clr>
+        </p15:guide>
+        <p15:guide id="2" pos="2880">
+          <p15:clr>
+            <a:srgbClr val="A4A3A4"/>
+          </p15:clr>
+        </p15:guide>
+      </p15:sldGuideLst>
+    </p:ext>
+  </p:extLst>
 </p:presentation>
+</file>
+
+<file path=ppt/revisionInfo.xml><?xml version="1.0" encoding="utf-8"?>
+<p1510:revInfo xmlns:a="http://schemas.openxmlformats.org/drawingml/2006/main" xmlns:r="http://schemas.openxmlformats.org/officeDocument/2006/relationships" xmlns:p1510="http://schemas.microsoft.com/office/powerpoint/2015/10/main">
+  <p1510:revLst>
+    <p1510:client id="{E432CE47-5AE7-4CB1-93A2-0583C9DA253F}" v="1" dt="2020-10-20T21:31:50.231"/>
+  </p1510:revLst>
+</p1510:revInfo>
+</file>
+
+<file path=ppt/changesInfos/changesInfo1.xml><?xml version="1.0" encoding="utf-8"?>
+<pc:chgInfo xmlns:a="http://schemas.openxmlformats.org/drawingml/2006/main" xmlns:r="http://schemas.openxmlformats.org/officeDocument/2006/relationships" xmlns:ac="http://schemas.microsoft.com/office/drawing/2013/main/command" xmlns:pc="http://schemas.microsoft.com/office/powerpoint/2013/main/command">
+  <pc:docChgLst>
+    <pc:chgData name="Marcus Rodrigues Nogueira de Macedo" userId="7f8c6c2b79a6e5ea" providerId="LiveId" clId="{E432CE47-5AE7-4CB1-93A2-0583C9DA253F}"/>
+    <pc:docChg chg="undo custSel modSld">
+      <pc:chgData name="Marcus Rodrigues Nogueira de Macedo" userId="7f8c6c2b79a6e5ea" providerId="LiveId" clId="{E432CE47-5AE7-4CB1-93A2-0583C9DA253F}" dt="2020-10-20T21:41:02.876" v="6" actId="21"/>
+      <pc:docMkLst>
+        <pc:docMk/>
+      </pc:docMkLst>
+      <pc:sldChg chg="addSp delSp modSp mod">
+        <pc:chgData name="Marcus Rodrigues Nogueira de Macedo" userId="7f8c6c2b79a6e5ea" providerId="LiveId" clId="{E432CE47-5AE7-4CB1-93A2-0583C9DA253F}" dt="2020-10-20T21:41:02.876" v="6" actId="21"/>
+        <pc:sldMkLst>
+          <pc:docMk/>
+          <pc:sldMk cId="3324292092" sldId="268"/>
+        </pc:sldMkLst>
+        <pc:picChg chg="add del mod">
+          <ac:chgData name="Marcus Rodrigues Nogueira de Macedo" userId="7f8c6c2b79a6e5ea" providerId="LiveId" clId="{E432CE47-5AE7-4CB1-93A2-0583C9DA253F}" dt="2020-10-20T21:41:02.876" v="6" actId="21"/>
+          <ac:picMkLst>
+            <pc:docMk/>
+            <pc:sldMk cId="3324292092" sldId="268"/>
+            <ac:picMk id="11" creationId="{7ABB6C74-FA17-4EC3-8925-2A8711461776}"/>
+          </ac:picMkLst>
+        </pc:picChg>
+      </pc:sldChg>
+    </pc:docChg>
+  </pc:docChgLst>
+</pc:chgInfo>
 </file>
 
 <file path=ppt/slideLayouts/slideLayout1.xml><?xml version="1.0" encoding="utf-8"?>
@@ -174,7 +227,7 @@
           <a:lstStyle/>
           <a:p>
             <a:r>
-              <a:rPr lang="pt-BR" smtClean="0"/>
+              <a:rPr lang="pt-BR"/>
               <a:t>Clique para editar o título mestre</a:t>
             </a:r>
             <a:endParaRPr lang="en-US" dirty="0"/>
@@ -329,7 +382,7 @@
           </a:lstStyle>
           <a:p>
             <a:r>
-              <a:rPr lang="pt-BR" smtClean="0"/>
+              <a:rPr lang="pt-BR"/>
               <a:t>Clique para editar o estilo do subtítulo mestre</a:t>
             </a:r>
             <a:endParaRPr lang="en-US" dirty="0"/>
@@ -353,7 +406,7 @@
           <a:p>
             <a:fld id="{8D3E9113-84F6-404A-8811-DADFCA3D4A90}" type="datetimeFigureOut">
               <a:rPr lang="pt-BR" smtClean="0"/>
-              <a:t>29/07/2018</a:t>
+              <a:t>19/10/2020</a:t>
             </a:fld>
             <a:endParaRPr lang="pt-BR"/>
           </a:p>
@@ -442,7 +495,7 @@
           <a:lstStyle/>
           <a:p>
             <a:r>
-              <a:rPr lang="pt-BR" smtClean="0"/>
+              <a:rPr lang="pt-BR"/>
               <a:t>Clique para editar o título mestre</a:t>
             </a:r>
             <a:endParaRPr lang="en-US"/>
@@ -466,35 +519,35 @@
           <a:p>
             <a:pPr lvl="0"/>
             <a:r>
-              <a:rPr lang="pt-BR" smtClean="0"/>
+              <a:rPr lang="pt-BR"/>
               <a:t>Clique para editar o texto mestre</a:t>
             </a:r>
           </a:p>
           <a:p>
             <a:pPr lvl="1"/>
             <a:r>
-              <a:rPr lang="pt-BR" smtClean="0"/>
+              <a:rPr lang="pt-BR"/>
               <a:t>Segundo nível</a:t>
             </a:r>
           </a:p>
           <a:p>
             <a:pPr lvl="2"/>
             <a:r>
-              <a:rPr lang="pt-BR" smtClean="0"/>
+              <a:rPr lang="pt-BR"/>
               <a:t>Terceiro nível</a:t>
             </a:r>
           </a:p>
           <a:p>
             <a:pPr lvl="3"/>
             <a:r>
-              <a:rPr lang="pt-BR" smtClean="0"/>
+              <a:rPr lang="pt-BR"/>
               <a:t>Quarto nível</a:t>
             </a:r>
           </a:p>
           <a:p>
             <a:pPr lvl="4"/>
             <a:r>
-              <a:rPr lang="pt-BR" smtClean="0"/>
+              <a:rPr lang="pt-BR"/>
               <a:t>Quinto nível</a:t>
             </a:r>
             <a:endParaRPr lang="en-US"/>
@@ -518,7 +571,7 @@
           <a:p>
             <a:fld id="{8D3E9113-84F6-404A-8811-DADFCA3D4A90}" type="datetimeFigureOut">
               <a:rPr lang="pt-BR" smtClean="0"/>
-              <a:t>29/07/2018</a:t>
+              <a:t>19/10/2020</a:t>
             </a:fld>
             <a:endParaRPr lang="pt-BR"/>
           </a:p>
@@ -612,7 +665,7 @@
           <a:lstStyle/>
           <a:p>
             <a:r>
-              <a:rPr lang="pt-BR" smtClean="0"/>
+              <a:rPr lang="pt-BR"/>
               <a:t>Clique para editar o título mestre</a:t>
             </a:r>
             <a:endParaRPr lang="en-US" dirty="0"/>
@@ -641,35 +694,35 @@
           <a:p>
             <a:pPr lvl="0"/>
             <a:r>
-              <a:rPr lang="pt-BR" smtClean="0"/>
+              <a:rPr lang="pt-BR"/>
               <a:t>Clique para editar o texto mestre</a:t>
             </a:r>
           </a:p>
           <a:p>
             <a:pPr lvl="1"/>
             <a:r>
-              <a:rPr lang="pt-BR" smtClean="0"/>
+              <a:rPr lang="pt-BR"/>
               <a:t>Segundo nível</a:t>
             </a:r>
           </a:p>
           <a:p>
             <a:pPr lvl="2"/>
             <a:r>
-              <a:rPr lang="pt-BR" smtClean="0"/>
+              <a:rPr lang="pt-BR"/>
               <a:t>Terceiro nível</a:t>
             </a:r>
           </a:p>
           <a:p>
             <a:pPr lvl="3"/>
             <a:r>
-              <a:rPr lang="pt-BR" smtClean="0"/>
+              <a:rPr lang="pt-BR"/>
               <a:t>Quarto nível</a:t>
             </a:r>
           </a:p>
           <a:p>
             <a:pPr lvl="4"/>
             <a:r>
-              <a:rPr lang="pt-BR" smtClean="0"/>
+              <a:rPr lang="pt-BR"/>
               <a:t>Quinto nível</a:t>
             </a:r>
             <a:endParaRPr lang="en-US" dirty="0"/>
@@ -693,7 +746,7 @@
           <a:p>
             <a:fld id="{8D3E9113-84F6-404A-8811-DADFCA3D4A90}" type="datetimeFigureOut">
               <a:rPr lang="pt-BR" smtClean="0"/>
-              <a:t>29/07/2018</a:t>
+              <a:t>19/10/2020</a:t>
             </a:fld>
             <a:endParaRPr lang="pt-BR"/>
           </a:p>
@@ -782,7 +835,7 @@
           <a:lstStyle/>
           <a:p>
             <a:r>
-              <a:rPr lang="pt-BR" smtClean="0"/>
+              <a:rPr lang="pt-BR"/>
               <a:t>Clique para editar o título mestre</a:t>
             </a:r>
             <a:endParaRPr lang="en-US" dirty="0"/>
@@ -811,35 +864,35 @@
           <a:p>
             <a:pPr lvl="0"/>
             <a:r>
-              <a:rPr lang="pt-BR" smtClean="0"/>
+              <a:rPr lang="pt-BR"/>
               <a:t>Clique para editar o texto mestre</a:t>
             </a:r>
           </a:p>
           <a:p>
             <a:pPr lvl="1"/>
             <a:r>
-              <a:rPr lang="pt-BR" smtClean="0"/>
+              <a:rPr lang="pt-BR"/>
               <a:t>Segundo nível</a:t>
             </a:r>
           </a:p>
           <a:p>
             <a:pPr lvl="2"/>
             <a:r>
-              <a:rPr lang="pt-BR" smtClean="0"/>
+              <a:rPr lang="pt-BR"/>
               <a:t>Terceiro nível</a:t>
             </a:r>
           </a:p>
           <a:p>
             <a:pPr lvl="3"/>
             <a:r>
-              <a:rPr lang="pt-BR" smtClean="0"/>
+              <a:rPr lang="pt-BR"/>
               <a:t>Quarto nível</a:t>
             </a:r>
           </a:p>
           <a:p>
             <a:pPr lvl="4"/>
             <a:r>
-              <a:rPr lang="pt-BR" smtClean="0"/>
+              <a:rPr lang="pt-BR"/>
               <a:t>Quinto nível</a:t>
             </a:r>
             <a:endParaRPr lang="en-US" dirty="0"/>
@@ -863,7 +916,7 @@
           <a:p>
             <a:fld id="{8D3E9113-84F6-404A-8811-DADFCA3D4A90}" type="datetimeFigureOut">
               <a:rPr lang="pt-BR" smtClean="0"/>
-              <a:t>29/07/2018</a:t>
+              <a:t>19/10/2020</a:t>
             </a:fld>
             <a:endParaRPr lang="pt-BR"/>
           </a:p>
@@ -986,7 +1039,7 @@
           <a:p>
             <a:fld id="{8D3E9113-84F6-404A-8811-DADFCA3D4A90}" type="datetimeFigureOut">
               <a:rPr lang="pt-BR" smtClean="0"/>
-              <a:t>29/07/2018</a:t>
+              <a:t>19/10/2020</a:t>
             </a:fld>
             <a:endParaRPr lang="pt-BR"/>
           </a:p>
@@ -1094,7 +1147,7 @@
           </a:lstStyle>
           <a:p>
             <a:r>
-              <a:rPr lang="pt-BR" smtClean="0"/>
+              <a:rPr lang="pt-BR"/>
               <a:t>Clique para editar o título mestre</a:t>
             </a:r>
             <a:endParaRPr lang="en-US" dirty="0"/>
@@ -1215,7 +1268,7 @@
           <a:p>
             <a:pPr lvl="0"/>
             <a:r>
-              <a:rPr lang="pt-BR" smtClean="0"/>
+              <a:rPr lang="pt-BR"/>
               <a:t>Clique para editar o texto mestre</a:t>
             </a:r>
           </a:p>
@@ -1301,35 +1354,35 @@
           <a:p>
             <a:pPr lvl="0"/>
             <a:r>
-              <a:rPr lang="pt-BR" smtClean="0"/>
+              <a:rPr lang="pt-BR"/>
               <a:t>Clique para editar o texto mestre</a:t>
             </a:r>
           </a:p>
           <a:p>
             <a:pPr lvl="1"/>
             <a:r>
-              <a:rPr lang="pt-BR" smtClean="0"/>
+              <a:rPr lang="pt-BR"/>
               <a:t>Segundo nível</a:t>
             </a:r>
           </a:p>
           <a:p>
             <a:pPr lvl="2"/>
             <a:r>
-              <a:rPr lang="pt-BR" smtClean="0"/>
+              <a:rPr lang="pt-BR"/>
               <a:t>Terceiro nível</a:t>
             </a:r>
           </a:p>
           <a:p>
             <a:pPr lvl="3"/>
             <a:r>
-              <a:rPr lang="pt-BR" smtClean="0"/>
+              <a:rPr lang="pt-BR"/>
               <a:t>Quarto nível</a:t>
             </a:r>
           </a:p>
           <a:p>
             <a:pPr lvl="4"/>
             <a:r>
-              <a:rPr lang="pt-BR" smtClean="0"/>
+              <a:rPr lang="pt-BR"/>
               <a:t>Quinto nível</a:t>
             </a:r>
             <a:endParaRPr lang="en-US" dirty="0"/>
@@ -1352,7 +1405,7 @@
           <a:lstStyle/>
           <a:p>
             <a:r>
-              <a:rPr lang="pt-BR" smtClean="0"/>
+              <a:rPr lang="pt-BR"/>
               <a:t>Clique para editar o título mestre</a:t>
             </a:r>
             <a:endParaRPr lang="en-US"/>
@@ -1376,7 +1429,7 @@
           <a:p>
             <a:fld id="{8D3E9113-84F6-404A-8811-DADFCA3D4A90}" type="datetimeFigureOut">
               <a:rPr lang="pt-BR" smtClean="0"/>
-              <a:t>29/07/2018</a:t>
+              <a:t>19/10/2020</a:t>
             </a:fld>
             <a:endParaRPr lang="pt-BR"/>
           </a:p>
@@ -1446,35 +1499,35 @@
           <a:p>
             <a:pPr lvl="0"/>
             <a:r>
-              <a:rPr lang="pt-BR" smtClean="0"/>
+              <a:rPr lang="pt-BR"/>
               <a:t>Clique para editar o texto mestre</a:t>
             </a:r>
           </a:p>
           <a:p>
             <a:pPr lvl="1"/>
             <a:r>
-              <a:rPr lang="pt-BR" smtClean="0"/>
+              <a:rPr lang="pt-BR"/>
               <a:t>Segundo nível</a:t>
             </a:r>
           </a:p>
           <a:p>
             <a:pPr lvl="2"/>
             <a:r>
-              <a:rPr lang="pt-BR" smtClean="0"/>
+              <a:rPr lang="pt-BR"/>
               <a:t>Terceiro nível</a:t>
             </a:r>
           </a:p>
           <a:p>
             <a:pPr lvl="3"/>
             <a:r>
-              <a:rPr lang="pt-BR" smtClean="0"/>
+              <a:rPr lang="pt-BR"/>
               <a:t>Quarto nível</a:t>
             </a:r>
           </a:p>
           <a:p>
             <a:pPr lvl="4"/>
             <a:r>
-              <a:rPr lang="pt-BR" smtClean="0"/>
+              <a:rPr lang="pt-BR"/>
               <a:t>Quinto nível</a:t>
             </a:r>
             <a:endParaRPr lang="en-US" dirty="0"/>
@@ -1599,35 +1652,35 @@
           <a:p>
             <a:pPr lvl="0"/>
             <a:r>
-              <a:rPr lang="pt-BR" smtClean="0"/>
+              <a:rPr lang="pt-BR"/>
               <a:t>Clique para editar o texto mestre</a:t>
             </a:r>
           </a:p>
           <a:p>
             <a:pPr lvl="1"/>
             <a:r>
-              <a:rPr lang="pt-BR" smtClean="0"/>
+              <a:rPr lang="pt-BR"/>
               <a:t>Segundo nível</a:t>
             </a:r>
           </a:p>
           <a:p>
             <a:pPr lvl="2"/>
             <a:r>
-              <a:rPr lang="pt-BR" smtClean="0"/>
+              <a:rPr lang="pt-BR"/>
               <a:t>Terceiro nível</a:t>
             </a:r>
           </a:p>
           <a:p>
             <a:pPr lvl="3"/>
             <a:r>
-              <a:rPr lang="pt-BR" smtClean="0"/>
+              <a:rPr lang="pt-BR"/>
               <a:t>Quarto nível</a:t>
             </a:r>
           </a:p>
           <a:p>
             <a:pPr lvl="4"/>
             <a:r>
-              <a:rPr lang="pt-BR" smtClean="0"/>
+              <a:rPr lang="pt-BR"/>
               <a:t>Quinto nível</a:t>
             </a:r>
             <a:endParaRPr lang="en-US" dirty="0"/>
@@ -1656,35 +1709,35 @@
           <a:p>
             <a:pPr lvl="0"/>
             <a:r>
-              <a:rPr lang="pt-BR" smtClean="0"/>
+              <a:rPr lang="pt-BR"/>
               <a:t>Clique para editar o texto mestre</a:t>
             </a:r>
           </a:p>
           <a:p>
             <a:pPr lvl="1"/>
             <a:r>
-              <a:rPr lang="pt-BR" smtClean="0"/>
+              <a:rPr lang="pt-BR"/>
               <a:t>Segundo nível</a:t>
             </a:r>
           </a:p>
           <a:p>
             <a:pPr lvl="2"/>
             <a:r>
-              <a:rPr lang="pt-BR" smtClean="0"/>
+              <a:rPr lang="pt-BR"/>
               <a:t>Terceiro nível</a:t>
             </a:r>
           </a:p>
           <a:p>
             <a:pPr lvl="3"/>
             <a:r>
-              <a:rPr lang="pt-BR" smtClean="0"/>
+              <a:rPr lang="pt-BR"/>
               <a:t>Quarto nível</a:t>
             </a:r>
           </a:p>
           <a:p>
             <a:pPr lvl="4"/>
             <a:r>
-              <a:rPr lang="pt-BR" smtClean="0"/>
+              <a:rPr lang="pt-BR"/>
               <a:t>Quinto nível</a:t>
             </a:r>
             <a:endParaRPr lang="en-US" dirty="0"/>
@@ -1711,7 +1764,7 @@
           </a:lstStyle>
           <a:p>
             <a:r>
-              <a:rPr lang="pt-BR" smtClean="0"/>
+              <a:rPr lang="pt-BR"/>
               <a:t>Clique para editar o título mestre</a:t>
             </a:r>
             <a:endParaRPr lang="en-US"/>
@@ -1777,7 +1830,7 @@
           <a:p>
             <a:pPr lvl="0"/>
             <a:r>
-              <a:rPr lang="pt-BR" smtClean="0"/>
+              <a:rPr lang="pt-BR"/>
               <a:t>Clique para editar o texto mestre</a:t>
             </a:r>
           </a:p>
@@ -1842,7 +1895,7 @@
           <a:p>
             <a:pPr lvl="0"/>
             <a:r>
-              <a:rPr lang="pt-BR" smtClean="0"/>
+              <a:rPr lang="pt-BR"/>
               <a:t>Clique para editar o texto mestre</a:t>
             </a:r>
           </a:p>
@@ -1865,7 +1918,7 @@
           <a:p>
             <a:fld id="{8D3E9113-84F6-404A-8811-DADFCA3D4A90}" type="datetimeFigureOut">
               <a:rPr lang="pt-BR" smtClean="0"/>
-              <a:t>29/07/2018</a:t>
+              <a:t>19/10/2020</a:t>
             </a:fld>
             <a:endParaRPr lang="pt-BR"/>
           </a:p>
@@ -1954,7 +2007,7 @@
           <a:lstStyle/>
           <a:p>
             <a:r>
-              <a:rPr lang="pt-BR" smtClean="0"/>
+              <a:rPr lang="pt-BR"/>
               <a:t>Clique para editar o título mestre</a:t>
             </a:r>
             <a:endParaRPr lang="en-US"/>
@@ -1978,7 +2031,7 @@
           <a:p>
             <a:fld id="{8D3E9113-84F6-404A-8811-DADFCA3D4A90}" type="datetimeFigureOut">
               <a:rPr lang="pt-BR" smtClean="0"/>
-              <a:t>29/07/2018</a:t>
+              <a:t>19/10/2020</a:t>
             </a:fld>
             <a:endParaRPr lang="pt-BR"/>
           </a:p>
@@ -2101,7 +2154,7 @@
           <a:p>
             <a:fld id="{8D3E9113-84F6-404A-8811-DADFCA3D4A90}" type="datetimeFigureOut">
               <a:rPr lang="pt-BR" smtClean="0"/>
-              <a:t>29/07/2018</a:t>
+              <a:t>19/10/2020</a:t>
             </a:fld>
             <a:endParaRPr lang="pt-BR"/>
           </a:p>
@@ -2201,7 +2254,7 @@
           </a:lstStyle>
           <a:p>
             <a:r>
-              <a:rPr lang="pt-BR" smtClean="0"/>
+              <a:rPr lang="pt-BR"/>
               <a:t>Clique para editar o título mestre</a:t>
             </a:r>
             <a:endParaRPr lang="en-US" dirty="0"/>
@@ -2267,7 +2320,7 @@
           <a:p>
             <a:pPr lvl="0"/>
             <a:r>
-              <a:rPr lang="pt-BR" smtClean="0"/>
+              <a:rPr lang="pt-BR"/>
               <a:t>Clique para editar o texto mestre</a:t>
             </a:r>
           </a:p>
@@ -2290,7 +2343,7 @@
           <a:p>
             <a:fld id="{8D3E9113-84F6-404A-8811-DADFCA3D4A90}" type="datetimeFigureOut">
               <a:rPr lang="pt-BR" smtClean="0"/>
-              <a:t>29/07/2018</a:t>
+              <a:t>19/10/2020</a:t>
             </a:fld>
             <a:endParaRPr lang="pt-BR"/>
           </a:p>
@@ -2360,35 +2413,35 @@
           <a:p>
             <a:pPr lvl="0"/>
             <a:r>
-              <a:rPr lang="pt-BR" smtClean="0"/>
+              <a:rPr lang="pt-BR"/>
               <a:t>Clique para editar o texto mestre</a:t>
             </a:r>
           </a:p>
           <a:p>
             <a:pPr lvl="1"/>
             <a:r>
-              <a:rPr lang="pt-BR" smtClean="0"/>
+              <a:rPr lang="pt-BR"/>
               <a:t>Segundo nível</a:t>
             </a:r>
           </a:p>
           <a:p>
             <a:pPr lvl="2"/>
             <a:r>
-              <a:rPr lang="pt-BR" smtClean="0"/>
+              <a:rPr lang="pt-BR"/>
               <a:t>Terceiro nível</a:t>
             </a:r>
           </a:p>
           <a:p>
             <a:pPr lvl="3"/>
             <a:r>
-              <a:rPr lang="pt-BR" smtClean="0"/>
+              <a:rPr lang="pt-BR"/>
               <a:t>Quarto nível</a:t>
             </a:r>
           </a:p>
           <a:p>
             <a:pPr lvl="4"/>
             <a:r>
-              <a:rPr lang="pt-BR" smtClean="0"/>
+              <a:rPr lang="pt-BR"/>
               <a:t>Quinto nível</a:t>
             </a:r>
             <a:endParaRPr lang="en-US" dirty="0"/>
@@ -2498,7 +2551,7 @@
           </a:lstStyle>
           <a:p>
             <a:r>
-              <a:rPr lang="pt-BR" smtClean="0"/>
+              <a:rPr lang="pt-BR"/>
               <a:t>Clique para editar o título mestre</a:t>
             </a:r>
             <a:endParaRPr lang="en-US" dirty="0"/>
@@ -2584,7 +2637,7 @@
           </a:lstStyle>
           <a:p>
             <a:r>
-              <a:rPr lang="pt-BR" smtClean="0"/>
+              <a:rPr lang="pt-BR"/>
               <a:t>Clique no ícone para adicionar uma imagem</a:t>
             </a:r>
             <a:endParaRPr lang="en-US" dirty="0"/>
@@ -2650,7 +2703,7 @@
           <a:p>
             <a:pPr lvl="0"/>
             <a:r>
-              <a:rPr lang="pt-BR" smtClean="0"/>
+              <a:rPr lang="pt-BR"/>
               <a:t>Clique para editar o texto mestre</a:t>
             </a:r>
           </a:p>
@@ -2673,7 +2726,7 @@
           <a:p>
             <a:fld id="{8D3E9113-84F6-404A-8811-DADFCA3D4A90}" type="datetimeFigureOut">
               <a:rPr lang="pt-BR" smtClean="0"/>
-              <a:t>29/07/2018</a:t>
+              <a:t>19/10/2020</a:t>
             </a:fld>
             <a:endParaRPr lang="pt-BR"/>
           </a:p>
@@ -2801,7 +2854,7 @@
           <a:lstStyle/>
           <a:p>
             <a:r>
-              <a:rPr lang="pt-BR" smtClean="0"/>
+              <a:rPr lang="pt-BR"/>
               <a:t>Clique para editar o título mestre</a:t>
             </a:r>
             <a:endParaRPr lang="en-US" dirty="0"/>
@@ -2835,35 +2888,35 @@
           <a:p>
             <a:pPr lvl="0"/>
             <a:r>
-              <a:rPr lang="pt-BR" smtClean="0"/>
+              <a:rPr lang="pt-BR"/>
               <a:t>Clique para editar o texto mestre</a:t>
             </a:r>
           </a:p>
           <a:p>
             <a:pPr lvl="1"/>
             <a:r>
-              <a:rPr lang="pt-BR" smtClean="0"/>
+              <a:rPr lang="pt-BR"/>
               <a:t>Segundo nível</a:t>
             </a:r>
           </a:p>
           <a:p>
             <a:pPr lvl="2"/>
             <a:r>
-              <a:rPr lang="pt-BR" smtClean="0"/>
+              <a:rPr lang="pt-BR"/>
               <a:t>Terceiro nível</a:t>
             </a:r>
           </a:p>
           <a:p>
             <a:pPr lvl="3"/>
             <a:r>
-              <a:rPr lang="pt-BR" smtClean="0"/>
+              <a:rPr lang="pt-BR"/>
               <a:t>Quarto nível</a:t>
             </a:r>
           </a:p>
           <a:p>
             <a:pPr lvl="4"/>
             <a:r>
-              <a:rPr lang="pt-BR" smtClean="0"/>
+              <a:rPr lang="pt-BR"/>
               <a:t>Quinto nível</a:t>
             </a:r>
             <a:endParaRPr lang="en-US" dirty="0"/>
@@ -2909,7 +2962,7 @@
           <a:p>
             <a:fld id="{8D3E9113-84F6-404A-8811-DADFCA3D4A90}" type="datetimeFigureOut">
               <a:rPr lang="pt-BR" smtClean="0"/>
-              <a:t>29/07/2018</a:t>
+              <a:t>19/10/2020</a:t>
             </a:fld>
             <a:endParaRPr lang="pt-BR"/>
           </a:p>
@@ -3372,19 +3425,19 @@
           <a:lstStyle/>
           <a:p>
             <a:r>
-              <a:rPr lang="pt-BR" sz="5400" b="1" dirty="0" smtClean="0"/>
+              <a:rPr lang="pt-BR" sz="5400" b="1" dirty="0"/>
               <a:t>Music</a:t>
             </a:r>
             <a:r>
-              <a:rPr lang="pt-BR" sz="6000" b="1" dirty="0" smtClean="0"/>
+              <a:rPr lang="pt-BR" sz="6000" b="1" dirty="0"/>
               <a:t> </a:t>
             </a:r>
             <a:r>
-              <a:rPr lang="pt-BR" sz="6000" b="1" dirty="0" err="1" smtClean="0"/>
+              <a:rPr lang="pt-BR" sz="6000" b="1" dirty="0" err="1"/>
               <a:t>History</a:t>
             </a:r>
             <a:r>
-              <a:rPr lang="pt-BR" sz="6600" dirty="0" smtClean="0"/>
+              <a:rPr lang="pt-BR" sz="6600" dirty="0"/>
               <a:t> </a:t>
             </a:r>
             <a:endParaRPr lang="en-AU" sz="6600" dirty="0"/>
@@ -3414,15 +3467,15 @@
           <a:lstStyle/>
           <a:p>
             <a:r>
-              <a:rPr lang="pt-BR" sz="3200" dirty="0" smtClean="0"/>
+              <a:rPr lang="pt-BR" sz="3200" dirty="0"/>
               <a:t>  </a:t>
             </a:r>
             <a:r>
-              <a:rPr lang="pt-BR" sz="3200" b="1" dirty="0" err="1" smtClean="0"/>
+              <a:rPr lang="pt-BR" sz="3200" b="1" dirty="0" err="1"/>
               <a:t>Timeline</a:t>
             </a:r>
             <a:r>
-              <a:rPr lang="pt-BR" sz="3200" dirty="0" smtClean="0"/>
+              <a:rPr lang="pt-BR" sz="3200" dirty="0"/>
               <a:t>;</a:t>
             </a:r>
             <a:endParaRPr lang="en-AU" sz="3200" dirty="0"/>
@@ -3531,7 +3584,7 @@
           <a:lstStyle/>
           <a:p>
             <a:r>
-              <a:rPr lang="pt-BR" sz="2400" dirty="0" err="1" smtClean="0"/>
+              <a:rPr lang="pt-BR" sz="2400" dirty="0" err="1"/>
               <a:t>Prehistory</a:t>
             </a:r>
             <a:endParaRPr lang="en-AU" sz="2400" dirty="0"/>
@@ -3561,11 +3614,11 @@
           <a:lstStyle/>
           <a:p>
             <a:r>
-              <a:rPr lang="pt-BR" sz="2400" dirty="0" err="1" smtClean="0"/>
+              <a:rPr lang="pt-BR" sz="2400" dirty="0" err="1"/>
               <a:t>Medium</a:t>
             </a:r>
             <a:r>
-              <a:rPr lang="pt-BR" sz="2400" dirty="0" smtClean="0"/>
+              <a:rPr lang="pt-BR" sz="2400" dirty="0"/>
               <a:t> Age</a:t>
             </a:r>
             <a:endParaRPr lang="en-AU" sz="2400" dirty="0"/>
@@ -3595,7 +3648,7 @@
           <a:lstStyle/>
           <a:p>
             <a:r>
-              <a:rPr lang="pt-BR" sz="2400" dirty="0" err="1" smtClean="0"/>
+              <a:rPr lang="pt-BR" sz="2400" dirty="0" err="1"/>
               <a:t>Renasciment</a:t>
             </a:r>
             <a:endParaRPr lang="en-AU" sz="2400" dirty="0"/>
@@ -3625,7 +3678,7 @@
           <a:lstStyle/>
           <a:p>
             <a:r>
-              <a:rPr lang="pt-BR" sz="2400" dirty="0" err="1" smtClean="0"/>
+              <a:rPr lang="pt-BR" sz="2400" dirty="0" err="1"/>
               <a:t>Barroque</a:t>
             </a:r>
             <a:endParaRPr lang="en-AU" sz="2400" dirty="0"/>
@@ -3655,7 +3708,7 @@
           <a:lstStyle/>
           <a:p>
             <a:r>
-              <a:rPr lang="pt-BR" sz="2400" dirty="0" err="1" smtClean="0"/>
+              <a:rPr lang="pt-BR" sz="2400" dirty="0" err="1"/>
               <a:t>Classicism</a:t>
             </a:r>
             <a:endParaRPr lang="en-AU" sz="2400" dirty="0"/>
@@ -3685,7 +3738,7 @@
           <a:lstStyle/>
           <a:p>
             <a:r>
-              <a:rPr lang="pt-BR" sz="2400" dirty="0" err="1" smtClean="0"/>
+              <a:rPr lang="pt-BR" sz="2400" dirty="0" err="1"/>
               <a:t>Modern</a:t>
             </a:r>
             <a:endParaRPr lang="en-AU" sz="2400" dirty="0"/>
@@ -3715,7 +3768,7 @@
           <a:lstStyle/>
           <a:p>
             <a:r>
-              <a:rPr lang="pt-BR" sz="2400" dirty="0" err="1" smtClean="0"/>
+              <a:rPr lang="pt-BR" sz="2400" dirty="0" err="1"/>
               <a:t>Contemporary</a:t>
             </a:r>
             <a:endParaRPr lang="en-AU" sz="2400" dirty="0"/>
@@ -3749,7 +3802,7 @@
               <a:buChar char="•"/>
             </a:pPr>
             <a:r>
-              <a:rPr lang="pt-BR" sz="2000" dirty="0" smtClean="0"/>
+              <a:rPr lang="pt-BR" sz="2000" dirty="0"/>
               <a:t>5th</a:t>
             </a:r>
             <a:endParaRPr lang="en-AU" sz="2000" dirty="0"/>
@@ -3783,7 +3836,7 @@
               <a:buChar char="•"/>
             </a:pPr>
             <a:r>
-              <a:rPr lang="pt-BR" sz="2000" dirty="0" smtClean="0"/>
+              <a:rPr lang="pt-BR" sz="2000" dirty="0"/>
               <a:t>15th</a:t>
             </a:r>
             <a:endParaRPr lang="en-AU" sz="2000" dirty="0"/>
@@ -3817,7 +3870,7 @@
               <a:buChar char="•"/>
             </a:pPr>
             <a:r>
-              <a:rPr lang="pt-BR" sz="2000" dirty="0" smtClean="0"/>
+              <a:rPr lang="pt-BR" sz="2000" dirty="0"/>
               <a:t>16th</a:t>
             </a:r>
             <a:endParaRPr lang="en-AU" sz="2000" dirty="0"/>
@@ -3851,7 +3904,7 @@
               <a:buChar char="•"/>
             </a:pPr>
             <a:r>
-              <a:rPr lang="pt-BR" sz="2000" dirty="0" smtClean="0"/>
+              <a:rPr lang="pt-BR" sz="2000" dirty="0"/>
               <a:t>17th</a:t>
             </a:r>
             <a:endParaRPr lang="en-AU" sz="2000" dirty="0"/>
@@ -3885,7 +3938,7 @@
               <a:buChar char="•"/>
             </a:pPr>
             <a:r>
-              <a:rPr lang="pt-BR" sz="2000" dirty="0" smtClean="0"/>
+              <a:rPr lang="pt-BR" sz="2000" dirty="0"/>
               <a:t>18th</a:t>
             </a:r>
             <a:endParaRPr lang="en-AU" sz="2000" dirty="0"/>
@@ -3915,7 +3968,7 @@
           <a:lstStyle/>
           <a:p>
             <a:r>
-              <a:rPr lang="pt-BR" sz="2400" dirty="0" err="1" smtClean="0"/>
+              <a:rPr lang="pt-BR" sz="2400" dirty="0" err="1"/>
               <a:t>century</a:t>
             </a:r>
             <a:endParaRPr lang="en-AU" sz="2400" dirty="0"/>
@@ -3949,7 +4002,7 @@
               <a:buChar char="•"/>
             </a:pPr>
             <a:r>
-              <a:rPr lang="pt-BR" sz="2000" dirty="0" smtClean="0"/>
+              <a:rPr lang="pt-BR" sz="2000" dirty="0"/>
               <a:t>19th</a:t>
             </a:r>
             <a:endParaRPr lang="en-AU" sz="2000" dirty="0"/>
@@ -3983,7 +4036,7 @@
               <a:buChar char="•"/>
             </a:pPr>
             <a:r>
-              <a:rPr lang="pt-BR" sz="2000" dirty="0" smtClean="0"/>
+              <a:rPr lang="pt-BR" sz="2000" dirty="0"/>
               <a:t>20th</a:t>
             </a:r>
             <a:endParaRPr lang="en-AU" sz="2000" dirty="0"/>
@@ -4013,7 +4066,7 @@
           <a:lstStyle/>
           <a:p>
             <a:r>
-              <a:rPr lang="pt-BR" sz="2400" dirty="0" err="1" smtClean="0"/>
+              <a:rPr lang="pt-BR" sz="2400" dirty="0" err="1"/>
               <a:t>movement</a:t>
             </a:r>
             <a:endParaRPr lang="en-AU" sz="2400" dirty="0"/>
@@ -4043,7 +4096,7 @@
           <a:lstStyle/>
           <a:p>
             <a:r>
-              <a:rPr lang="pt-BR" sz="2400" dirty="0" err="1" smtClean="0"/>
+              <a:rPr lang="pt-BR" sz="2400" dirty="0" err="1"/>
               <a:t>actually</a:t>
             </a:r>
             <a:endParaRPr lang="en-AU" sz="2400" dirty="0"/>
@@ -4060,13 +4113,6 @@
   <p:clrMapOvr>
     <a:masterClrMapping/>
   </p:clrMapOvr>
-  <p:timing>
-    <p:tnLst>
-      <p:par>
-        <p:cTn id="1" dur="indefinite" restart="never" nodeType="tmRoot"/>
-      </p:par>
-    </p:tnLst>
-  </p:timing>
 </p:sld>
 </file>
 
@@ -4110,11 +4156,11 @@
           <a:lstStyle/>
           <a:p>
             <a:r>
-              <a:rPr lang="pt-BR" sz="5400" b="1" dirty="0" smtClean="0"/>
+              <a:rPr lang="pt-BR" sz="5400" b="1" dirty="0"/>
               <a:t>William </a:t>
             </a:r>
             <a:r>
-              <a:rPr lang="pt-BR" sz="5400" b="1" dirty="0" err="1" smtClean="0"/>
+              <a:rPr lang="pt-BR" sz="5400" b="1" dirty="0" err="1"/>
               <a:t>byrd</a:t>
             </a:r>
             <a:endParaRPr lang="pt-BR" sz="5400" b="1" dirty="0"/>
@@ -4144,56 +4190,55 @@
           <a:lstStyle/>
           <a:p>
             <a:r>
-              <a:rPr lang="pt-BR" sz="3200" dirty="0" smtClean="0"/>
+              <a:rPr lang="pt-BR" sz="3200" dirty="0"/>
               <a:t> </a:t>
             </a:r>
             <a:r>
-              <a:rPr lang="pt-BR" sz="3200" dirty="0" err="1" smtClean="0"/>
+              <a:rPr lang="pt-BR" sz="3200" dirty="0" err="1"/>
               <a:t>Nationality</a:t>
             </a:r>
             <a:r>
-              <a:rPr lang="pt-BR" sz="3200" dirty="0" smtClean="0"/>
+              <a:rPr lang="pt-BR" sz="3200" dirty="0"/>
               <a:t>;</a:t>
             </a:r>
           </a:p>
           <a:p>
             <a:r>
-              <a:rPr lang="pt-BR" sz="3200" dirty="0" smtClean="0"/>
+              <a:rPr lang="pt-BR" sz="3200" dirty="0"/>
               <a:t> </a:t>
             </a:r>
             <a:r>
-              <a:rPr lang="pt-BR" sz="3200" dirty="0" err="1" smtClean="0"/>
+              <a:rPr lang="pt-BR" sz="3200" dirty="0" err="1"/>
               <a:t>Infance</a:t>
             </a:r>
             <a:r>
-              <a:rPr lang="pt-BR" sz="3200" dirty="0" smtClean="0"/>
+              <a:rPr lang="pt-BR" sz="3200" dirty="0"/>
               <a:t>;</a:t>
             </a:r>
           </a:p>
           <a:p>
             <a:r>
-              <a:rPr lang="pt-BR" sz="3200" dirty="0" smtClean="0"/>
+              <a:rPr lang="pt-BR" sz="3200" dirty="0"/>
               <a:t> </a:t>
             </a:r>
             <a:r>
-              <a:rPr lang="pt-BR" sz="3200" dirty="0" err="1" smtClean="0"/>
+              <a:rPr lang="pt-BR" sz="3200" dirty="0" err="1"/>
               <a:t>Compositions</a:t>
             </a:r>
             <a:r>
-              <a:rPr lang="pt-BR" sz="3200" dirty="0" smtClean="0"/>
+              <a:rPr lang="pt-BR" sz="3200" dirty="0"/>
               <a:t>;</a:t>
             </a:r>
           </a:p>
           <a:p>
             <a:r>
-              <a:rPr lang="pt-BR" sz="3200" dirty="0" err="1" smtClean="0"/>
+              <a:rPr lang="pt-BR" sz="3200" dirty="0" err="1"/>
               <a:t>Skills</a:t>
             </a:r>
             <a:r>
-              <a:rPr lang="pt-BR" sz="3200" dirty="0" smtClean="0"/>
+              <a:rPr lang="pt-BR" sz="3200" dirty="0"/>
               <a:t>; </a:t>
             </a:r>
-            <a:endParaRPr lang="pt-BR" sz="3200" dirty="0"/>
           </a:p>
         </p:txBody>
       </p:sp>
@@ -4224,14 +4269,13 @@
               <a:t>(</a:t>
             </a:r>
             <a:r>
-              <a:rPr lang="pt-BR" i="1" dirty="0" smtClean="0"/>
+              <a:rPr lang="pt-BR" i="1" dirty="0"/>
               <a:t>1542/1623</a:t>
             </a:r>
             <a:r>
-              <a:rPr lang="pt-BR" dirty="0" smtClean="0"/>
+              <a:rPr lang="pt-BR" dirty="0"/>
               <a:t>)</a:t>
             </a:r>
-            <a:endParaRPr lang="pt-BR" dirty="0"/>
           </a:p>
         </p:txBody>
       </p:sp>
@@ -4303,13 +4347,6 @@
   <p:clrMapOvr>
     <a:masterClrMapping/>
   </p:clrMapOvr>
-  <p:timing>
-    <p:tnLst>
-      <p:par>
-        <p:cTn id="1" dur="indefinite" restart="never" nodeType="tmRoot"/>
-      </p:par>
-    </p:tnLst>
-  </p:timing>
 </p:sld>
 </file>
 
@@ -4353,11 +4390,11 @@
           <a:lstStyle/>
           <a:p>
             <a:r>
-              <a:rPr lang="pt-BR" sz="4400" b="1" dirty="0" smtClean="0"/>
+              <a:rPr lang="pt-BR" sz="4400" b="1" dirty="0"/>
               <a:t>Giovanni </a:t>
             </a:r>
             <a:r>
-              <a:rPr lang="pt-BR" sz="4400" b="1" dirty="0" err="1" smtClean="0"/>
+              <a:rPr lang="pt-BR" sz="4400" b="1" dirty="0" err="1"/>
               <a:t>gabrielli</a:t>
             </a:r>
             <a:endParaRPr lang="pt-BR" sz="4400" b="1" dirty="0"/>
@@ -4387,56 +4424,55 @@
           <a:lstStyle/>
           <a:p>
             <a:r>
-              <a:rPr lang="pt-BR" sz="3200" dirty="0" smtClean="0"/>
+              <a:rPr lang="pt-BR" sz="3200" dirty="0"/>
               <a:t> </a:t>
             </a:r>
             <a:r>
-              <a:rPr lang="pt-BR" sz="3200" dirty="0" err="1" smtClean="0"/>
+              <a:rPr lang="pt-BR" sz="3200" dirty="0" err="1"/>
               <a:t>Nationality</a:t>
             </a:r>
             <a:r>
-              <a:rPr lang="pt-BR" sz="3200" dirty="0" smtClean="0"/>
+              <a:rPr lang="pt-BR" sz="3200" dirty="0"/>
               <a:t>;</a:t>
             </a:r>
           </a:p>
           <a:p>
             <a:r>
-              <a:rPr lang="pt-BR" sz="3200" dirty="0" smtClean="0"/>
+              <a:rPr lang="pt-BR" sz="3200" dirty="0"/>
               <a:t> </a:t>
             </a:r>
             <a:r>
-              <a:rPr lang="pt-BR" sz="3200" dirty="0" err="1" smtClean="0"/>
+              <a:rPr lang="pt-BR" sz="3200" dirty="0" err="1"/>
               <a:t>Infance</a:t>
             </a:r>
             <a:r>
-              <a:rPr lang="pt-BR" sz="3200" dirty="0" smtClean="0"/>
+              <a:rPr lang="pt-BR" sz="3200" dirty="0"/>
               <a:t>;</a:t>
             </a:r>
           </a:p>
           <a:p>
             <a:r>
-              <a:rPr lang="pt-BR" sz="3200" dirty="0" smtClean="0"/>
+              <a:rPr lang="pt-BR" sz="3200" dirty="0"/>
               <a:t> </a:t>
             </a:r>
             <a:r>
-              <a:rPr lang="pt-BR" sz="3200" dirty="0" err="1" smtClean="0"/>
+              <a:rPr lang="pt-BR" sz="3200" dirty="0" err="1"/>
               <a:t>Compositions</a:t>
             </a:r>
             <a:r>
-              <a:rPr lang="pt-BR" sz="3200" dirty="0" smtClean="0"/>
+              <a:rPr lang="pt-BR" sz="3200" dirty="0"/>
               <a:t>;</a:t>
             </a:r>
           </a:p>
           <a:p>
             <a:r>
-              <a:rPr lang="pt-BR" sz="3200" dirty="0" err="1" smtClean="0"/>
+              <a:rPr lang="pt-BR" sz="3200" dirty="0" err="1"/>
               <a:t>Skills</a:t>
             </a:r>
             <a:r>
-              <a:rPr lang="pt-BR" sz="3200" dirty="0" smtClean="0"/>
+              <a:rPr lang="pt-BR" sz="3200" dirty="0"/>
               <a:t>; </a:t>
             </a:r>
-            <a:endParaRPr lang="pt-BR" sz="3200" dirty="0"/>
           </a:p>
         </p:txBody>
       </p:sp>
@@ -4467,14 +4503,13 @@
               <a:t>(</a:t>
             </a:r>
             <a:r>
-              <a:rPr lang="pt-BR" i="1" dirty="0" smtClean="0"/>
+              <a:rPr lang="pt-BR" i="1" dirty="0"/>
               <a:t>1555/1612</a:t>
             </a:r>
             <a:r>
-              <a:rPr lang="pt-BR" dirty="0" smtClean="0"/>
+              <a:rPr lang="pt-BR" dirty="0"/>
               <a:t>)</a:t>
             </a:r>
-            <a:endParaRPr lang="pt-BR" dirty="0"/>
           </a:p>
         </p:txBody>
       </p:sp>
@@ -4547,13 +4582,6 @@
   <p:clrMapOvr>
     <a:masterClrMapping/>
   </p:clrMapOvr>
-  <p:timing>
-    <p:tnLst>
-      <p:par>
-        <p:cTn id="1" dur="indefinite" restart="never" nodeType="tmRoot"/>
-      </p:par>
-    </p:tnLst>
-  </p:timing>
 </p:sld>
 </file>
 
@@ -4597,7 +4625,7 @@
           <a:lstStyle/>
           <a:p>
             <a:r>
-              <a:rPr lang="pt-BR" sz="6000" dirty="0" err="1" smtClean="0"/>
+              <a:rPr lang="pt-BR" sz="6000" dirty="0" err="1"/>
               <a:t>montiverdi</a:t>
             </a:r>
             <a:endParaRPr lang="pt-BR" sz="6000" dirty="0"/>
@@ -4632,15 +4660,15 @@
               </a:lnSpc>
             </a:pPr>
             <a:r>
-              <a:rPr lang="pt-BR" sz="3200" dirty="0" smtClean="0"/>
+              <a:rPr lang="pt-BR" sz="3200" dirty="0"/>
               <a:t> </a:t>
             </a:r>
             <a:r>
-              <a:rPr lang="pt-BR" sz="3200" dirty="0" err="1" smtClean="0"/>
+              <a:rPr lang="pt-BR" sz="3200" dirty="0" err="1"/>
               <a:t>Nationality</a:t>
             </a:r>
             <a:r>
-              <a:rPr lang="pt-BR" sz="3200" dirty="0" smtClean="0"/>
+              <a:rPr lang="pt-BR" sz="3200" dirty="0"/>
               <a:t>;</a:t>
             </a:r>
           </a:p>
@@ -4651,15 +4679,15 @@
               </a:lnSpc>
             </a:pPr>
             <a:r>
-              <a:rPr lang="pt-BR" sz="3200" dirty="0" smtClean="0"/>
+              <a:rPr lang="pt-BR" sz="3200" dirty="0"/>
               <a:t> </a:t>
             </a:r>
             <a:r>
-              <a:rPr lang="pt-BR" sz="3200" dirty="0" err="1" smtClean="0"/>
+              <a:rPr lang="pt-BR" sz="3200" dirty="0" err="1"/>
               <a:t>Infance</a:t>
             </a:r>
             <a:r>
-              <a:rPr lang="pt-BR" sz="3200" dirty="0" smtClean="0"/>
+              <a:rPr lang="pt-BR" sz="3200" dirty="0"/>
               <a:t>;</a:t>
             </a:r>
           </a:p>
@@ -4674,11 +4702,11 @@
               <a:t> </a:t>
             </a:r>
             <a:r>
-              <a:rPr lang="pt-BR" sz="3200" dirty="0" err="1" smtClean="0"/>
+              <a:rPr lang="pt-BR" sz="3200" dirty="0" err="1"/>
               <a:t>Relationship</a:t>
             </a:r>
             <a:r>
-              <a:rPr lang="pt-BR" sz="3200" dirty="0" smtClean="0"/>
+              <a:rPr lang="pt-BR" sz="3200" dirty="0"/>
               <a:t>;</a:t>
             </a:r>
           </a:p>
@@ -4689,15 +4717,15 @@
               </a:lnSpc>
             </a:pPr>
             <a:r>
-              <a:rPr lang="pt-BR" sz="3200" dirty="0" smtClean="0"/>
+              <a:rPr lang="pt-BR" sz="3200" dirty="0"/>
               <a:t> </a:t>
             </a:r>
             <a:r>
-              <a:rPr lang="pt-BR" sz="3200" dirty="0" err="1" smtClean="0"/>
+              <a:rPr lang="pt-BR" sz="3200" dirty="0" err="1"/>
               <a:t>Compositions</a:t>
             </a:r>
             <a:r>
-              <a:rPr lang="pt-BR" sz="3200" dirty="0" smtClean="0"/>
+              <a:rPr lang="pt-BR" sz="3200" dirty="0"/>
               <a:t>;</a:t>
             </a:r>
           </a:p>
@@ -4708,14 +4736,13 @@
               </a:lnSpc>
             </a:pPr>
             <a:r>
-              <a:rPr lang="pt-BR" sz="3200" dirty="0" err="1" smtClean="0"/>
+              <a:rPr lang="pt-BR" sz="3200" dirty="0" err="1"/>
               <a:t>Skills</a:t>
             </a:r>
             <a:r>
-              <a:rPr lang="pt-BR" sz="3200" dirty="0" smtClean="0"/>
+              <a:rPr lang="pt-BR" sz="3200" dirty="0"/>
               <a:t>; </a:t>
             </a:r>
-            <a:endParaRPr lang="pt-BR" sz="3200" dirty="0"/>
           </a:p>
         </p:txBody>
       </p:sp>
@@ -4746,14 +4773,13 @@
               <a:t>(</a:t>
             </a:r>
             <a:r>
-              <a:rPr lang="pt-BR" i="1" dirty="0" smtClean="0"/>
+              <a:rPr lang="pt-BR" i="1" dirty="0"/>
               <a:t>1543/1643</a:t>
             </a:r>
             <a:r>
-              <a:rPr lang="pt-BR" dirty="0" smtClean="0"/>
+              <a:rPr lang="pt-BR" dirty="0"/>
               <a:t>)</a:t>
             </a:r>
-            <a:endParaRPr lang="pt-BR" dirty="0"/>
           </a:p>
         </p:txBody>
       </p:sp>
@@ -4836,13 +4862,6 @@
   <p:clrMapOvr>
     <a:masterClrMapping/>
   </p:clrMapOvr>
-  <p:timing>
-    <p:tnLst>
-      <p:par>
-        <p:cTn id="1" dur="indefinite" restart="never" nodeType="tmRoot"/>
-      </p:par>
-    </p:tnLst>
-  </p:timing>
 </p:sld>
 </file>
 
@@ -4886,7 +4905,7 @@
           <a:lstStyle/>
           <a:p>
             <a:r>
-              <a:rPr lang="pt-BR" sz="8800" b="1" dirty="0" err="1" smtClean="0"/>
+              <a:rPr lang="pt-BR" sz="8800" b="1" dirty="0" err="1"/>
               <a:t>Baroque</a:t>
             </a:r>
             <a:endParaRPr lang="pt-BR" sz="8800" b="1" dirty="0"/>
@@ -5065,61 +5084,32 @@
           </a:lstStyle>
           <a:p>
             <a:r>
-              <a:rPr lang="en-AU" sz="2400" b="1" dirty="0" smtClean="0"/>
+              <a:rPr lang="en-AU" sz="2400" b="1" dirty="0"/>
               <a:t> From the 1600 to 1750 in Italy;</a:t>
             </a:r>
           </a:p>
           <a:p>
             <a:r>
-              <a:rPr lang="en-AU" sz="2400" b="1" dirty="0" smtClean="0"/>
-              <a:t> Absolutist regime and against </a:t>
-            </a:r>
-            <a:r>
-              <a:rPr lang="en-AU" sz="2400" b="1" dirty="0" smtClean="0"/>
-              <a:t>Reform</a:t>
-            </a:r>
-            <a:r>
-              <a:rPr lang="en-AU" sz="2400" b="1" dirty="0" smtClean="0"/>
-              <a:t>;</a:t>
-            </a:r>
-          </a:p>
-          <a:p>
-            <a:r>
-              <a:rPr lang="en-AU" sz="2400" b="1" dirty="0" smtClean="0"/>
-              <a:t> Catholic </a:t>
-            </a:r>
-            <a:r>
-              <a:rPr lang="en-AU" sz="2400" b="1" dirty="0" smtClean="0"/>
-              <a:t>church defunded Baroque;</a:t>
-            </a:r>
-            <a:endParaRPr lang="en-AU" sz="2400" b="1" dirty="0" smtClean="0"/>
-          </a:p>
-          <a:p>
-            <a:r>
-              <a:rPr lang="en-AU" sz="2400" b="1" dirty="0" smtClean="0"/>
-              <a:t> </a:t>
-            </a:r>
-            <a:r>
-              <a:rPr lang="en-AU" sz="2400" b="1" dirty="0" smtClean="0"/>
-              <a:t>Polyphonic </a:t>
-            </a:r>
-            <a:r>
-              <a:rPr lang="en-AU" sz="2400" b="1" dirty="0" smtClean="0"/>
-              <a:t>and creation canon;</a:t>
-            </a:r>
-          </a:p>
-          <a:p>
-            <a:r>
-              <a:rPr lang="en-AU" sz="2400" b="1" dirty="0" smtClean="0"/>
-              <a:t> Respecting the </a:t>
-            </a:r>
-            <a:r>
-              <a:rPr lang="en-AU" sz="2400" b="1" dirty="0" smtClean="0"/>
-              <a:t>rhythmic </a:t>
-            </a:r>
-            <a:r>
-              <a:rPr lang="en-AU" sz="2400" b="1" dirty="0" smtClean="0"/>
-              <a:t>musical or compass musical;</a:t>
+              <a:rPr lang="en-AU" sz="2400" b="1" dirty="0"/>
+              <a:t> Absolutist regime and against Reform;</a:t>
+            </a:r>
+          </a:p>
+          <a:p>
+            <a:r>
+              <a:rPr lang="en-AU" sz="2400" b="1" dirty="0"/>
+              <a:t> Catholic church defunded Baroque;</a:t>
+            </a:r>
+          </a:p>
+          <a:p>
+            <a:r>
+              <a:rPr lang="en-AU" sz="2400" b="1" dirty="0"/>
+              <a:t> Polyphonic and creation canon;</a:t>
+            </a:r>
+          </a:p>
+          <a:p>
+            <a:r>
+              <a:rPr lang="en-AU" sz="2400" b="1" dirty="0"/>
+              <a:t> Respecting the rhythmic musical or compass musical;</a:t>
             </a:r>
           </a:p>
           <a:p>
@@ -5141,13 +5131,6 @@
   <p:clrMapOvr>
     <a:masterClrMapping/>
   </p:clrMapOvr>
-  <p:timing>
-    <p:tnLst>
-      <p:par>
-        <p:cTn id="1" dur="indefinite" restart="never" nodeType="tmRoot"/>
-      </p:par>
-    </p:tnLst>
-  </p:timing>
 </p:sld>
 </file>
 
@@ -5289,10 +5272,9 @@
           <a:lstStyle/>
           <a:p>
             <a:r>
-              <a:rPr lang="pt-BR" sz="6000" dirty="0" smtClean="0"/>
+              <a:rPr lang="pt-BR" sz="6000" dirty="0"/>
               <a:t>Bach</a:t>
             </a:r>
-            <a:endParaRPr lang="pt-BR" sz="6000" dirty="0"/>
           </a:p>
         </p:txBody>
       </p:sp>
@@ -5323,15 +5305,15 @@
               <a:buChar char="v"/>
             </a:pPr>
             <a:r>
-              <a:rPr lang="pt-BR" sz="3200" dirty="0" smtClean="0"/>
+              <a:rPr lang="pt-BR" sz="3200" dirty="0"/>
               <a:t> </a:t>
             </a:r>
             <a:r>
-              <a:rPr lang="pt-BR" sz="3200" dirty="0" err="1" smtClean="0"/>
+              <a:rPr lang="pt-BR" sz="3200" dirty="0" err="1"/>
               <a:t>Nationality</a:t>
             </a:r>
             <a:r>
-              <a:rPr lang="pt-BR" sz="3200" dirty="0" smtClean="0"/>
+              <a:rPr lang="pt-BR" sz="3200" dirty="0"/>
               <a:t>;</a:t>
             </a:r>
           </a:p>
@@ -5345,14 +5327,13 @@
               <a:t> </a:t>
             </a:r>
             <a:r>
-              <a:rPr lang="pt-BR" sz="3200" dirty="0" err="1" smtClean="0"/>
+              <a:rPr lang="pt-BR" sz="3200" dirty="0" err="1"/>
               <a:t>Infance</a:t>
             </a:r>
             <a:r>
-              <a:rPr lang="pt-BR" sz="3200" dirty="0" smtClean="0"/>
+              <a:rPr lang="pt-BR" sz="3200" dirty="0"/>
               <a:t>;</a:t>
             </a:r>
-            <a:endParaRPr lang="pt-BR" sz="3200" dirty="0"/>
           </a:p>
         </p:txBody>
       </p:sp>
@@ -5382,15 +5363,15 @@
               <a:buChar char="v"/>
             </a:pPr>
             <a:r>
-              <a:rPr lang="pt-BR" sz="3200" dirty="0" smtClean="0"/>
+              <a:rPr lang="pt-BR" sz="3200" dirty="0"/>
               <a:t> </a:t>
             </a:r>
             <a:r>
-              <a:rPr lang="pt-BR" sz="3200" dirty="0" err="1" smtClean="0"/>
+              <a:rPr lang="pt-BR" sz="3200" dirty="0" err="1"/>
               <a:t>Relationship</a:t>
             </a:r>
             <a:r>
-              <a:rPr lang="pt-BR" sz="3200" dirty="0" smtClean="0"/>
+              <a:rPr lang="pt-BR" sz="3200" dirty="0"/>
               <a:t>;</a:t>
             </a:r>
           </a:p>
@@ -5400,15 +5381,15 @@
               <a:buChar char="v"/>
             </a:pPr>
             <a:r>
-              <a:rPr lang="pt-BR" sz="3200" dirty="0" smtClean="0"/>
+              <a:rPr lang="pt-BR" sz="3200" dirty="0"/>
               <a:t> </a:t>
             </a:r>
             <a:r>
-              <a:rPr lang="pt-BR" sz="3200" dirty="0" err="1" smtClean="0"/>
+              <a:rPr lang="pt-BR" sz="3200" dirty="0" err="1"/>
               <a:t>Compositions</a:t>
             </a:r>
             <a:r>
-              <a:rPr lang="pt-BR" sz="3200" dirty="0" smtClean="0"/>
+              <a:rPr lang="pt-BR" sz="3200" dirty="0"/>
               <a:t>;</a:t>
             </a:r>
           </a:p>
@@ -5422,14 +5403,13 @@
               <a:t> </a:t>
             </a:r>
             <a:r>
-              <a:rPr lang="pt-BR" sz="3200" dirty="0" err="1" smtClean="0"/>
+              <a:rPr lang="pt-BR" sz="3200" dirty="0" err="1"/>
               <a:t>Skills</a:t>
             </a:r>
             <a:r>
-              <a:rPr lang="pt-BR" sz="3200" dirty="0" smtClean="0"/>
+              <a:rPr lang="pt-BR" sz="3200" dirty="0"/>
               <a:t>;</a:t>
             </a:r>
-            <a:endParaRPr lang="pt-BR" sz="3200" dirty="0"/>
           </a:p>
         </p:txBody>
       </p:sp>
@@ -5636,10 +5616,9 @@
           <a:p>
             <a:pPr algn="r"/>
             <a:r>
-              <a:rPr lang="pt-BR" i="1" dirty="0" smtClean="0"/>
+              <a:rPr lang="pt-BR" i="1" dirty="0"/>
               <a:t>1685 - 1750</a:t>
             </a:r>
-            <a:endParaRPr lang="pt-BR" i="1" dirty="0"/>
           </a:p>
         </p:txBody>
       </p:sp>
@@ -5683,13 +5662,6 @@
   <p:clrMapOvr>
     <a:masterClrMapping/>
   </p:clrMapOvr>
-  <p:timing>
-    <p:tnLst>
-      <p:par>
-        <p:cTn id="1" dur="indefinite" restart="never" nodeType="tmRoot"/>
-      </p:par>
-    </p:tnLst>
-  </p:timing>
 </p:sld>
 </file>
 
@@ -5831,7 +5803,7 @@
           <a:lstStyle/>
           <a:p>
             <a:r>
-              <a:rPr lang="pt-BR" sz="6000" dirty="0" err="1" smtClean="0"/>
+              <a:rPr lang="pt-BR" sz="6000" dirty="0" err="1"/>
               <a:t>Haendel</a:t>
             </a:r>
             <a:endParaRPr lang="pt-BR" sz="6000" dirty="0"/>
@@ -5865,15 +5837,15 @@
               <a:buChar char="v"/>
             </a:pPr>
             <a:r>
-              <a:rPr lang="pt-BR" sz="3200" dirty="0" smtClean="0"/>
+              <a:rPr lang="pt-BR" sz="3200" dirty="0"/>
               <a:t> </a:t>
             </a:r>
             <a:r>
-              <a:rPr lang="pt-BR" sz="3200" dirty="0" err="1" smtClean="0"/>
+              <a:rPr lang="pt-BR" sz="3200" dirty="0" err="1"/>
               <a:t>Nationality</a:t>
             </a:r>
             <a:r>
-              <a:rPr lang="pt-BR" sz="3200" dirty="0" smtClean="0"/>
+              <a:rPr lang="pt-BR" sz="3200" dirty="0"/>
               <a:t>;</a:t>
             </a:r>
           </a:p>
@@ -5887,14 +5859,13 @@
               <a:t> </a:t>
             </a:r>
             <a:r>
-              <a:rPr lang="pt-BR" sz="3200" dirty="0" err="1" smtClean="0"/>
+              <a:rPr lang="pt-BR" sz="3200" dirty="0" err="1"/>
               <a:t>Infance</a:t>
             </a:r>
             <a:r>
-              <a:rPr lang="pt-BR" sz="3200" dirty="0" smtClean="0"/>
+              <a:rPr lang="pt-BR" sz="3200" dirty="0"/>
               <a:t>;</a:t>
             </a:r>
-            <a:endParaRPr lang="pt-BR" sz="3200" dirty="0"/>
           </a:p>
         </p:txBody>
       </p:sp>
@@ -5924,15 +5895,15 @@
               <a:buChar char="v"/>
             </a:pPr>
             <a:r>
-              <a:rPr lang="pt-BR" sz="3200" dirty="0" smtClean="0"/>
+              <a:rPr lang="pt-BR" sz="3200" dirty="0"/>
               <a:t> </a:t>
             </a:r>
             <a:r>
-              <a:rPr lang="pt-BR" sz="3200" dirty="0" err="1" smtClean="0"/>
+              <a:rPr lang="pt-BR" sz="3200" dirty="0" err="1"/>
               <a:t>Relationship</a:t>
             </a:r>
             <a:r>
-              <a:rPr lang="pt-BR" sz="3200" dirty="0" smtClean="0"/>
+              <a:rPr lang="pt-BR" sz="3200" dirty="0"/>
               <a:t>;</a:t>
             </a:r>
           </a:p>
@@ -5942,15 +5913,15 @@
               <a:buChar char="v"/>
             </a:pPr>
             <a:r>
-              <a:rPr lang="pt-BR" sz="3200" dirty="0" smtClean="0"/>
+              <a:rPr lang="pt-BR" sz="3200" dirty="0"/>
               <a:t> </a:t>
             </a:r>
             <a:r>
-              <a:rPr lang="pt-BR" sz="3200" dirty="0" err="1" smtClean="0"/>
+              <a:rPr lang="pt-BR" sz="3200" dirty="0" err="1"/>
               <a:t>Compositions</a:t>
             </a:r>
             <a:r>
-              <a:rPr lang="pt-BR" sz="3200" dirty="0" smtClean="0"/>
+              <a:rPr lang="pt-BR" sz="3200" dirty="0"/>
               <a:t>;</a:t>
             </a:r>
           </a:p>
@@ -5964,7 +5935,7 @@
               <a:t> </a:t>
             </a:r>
             <a:r>
-              <a:rPr lang="pt-BR" sz="3200" dirty="0" err="1" smtClean="0"/>
+              <a:rPr lang="pt-BR" sz="3200" dirty="0" err="1"/>
               <a:t>Skills</a:t>
             </a:r>
             <a:endParaRPr lang="pt-BR" sz="3200" dirty="0"/>
@@ -6174,10 +6145,9 @@
           <a:p>
             <a:pPr algn="r"/>
             <a:r>
-              <a:rPr lang="pt-BR" i="1" dirty="0" smtClean="0"/>
+              <a:rPr lang="pt-BR" i="1" dirty="0"/>
               <a:t>1685 - 1759</a:t>
             </a:r>
-            <a:endParaRPr lang="pt-BR" i="1" dirty="0"/>
           </a:p>
         </p:txBody>
       </p:sp>
@@ -6221,13 +6191,6 @@
   <p:clrMapOvr>
     <a:masterClrMapping/>
   </p:clrMapOvr>
-  <p:timing>
-    <p:tnLst>
-      <p:par>
-        <p:cTn id="1" dur="indefinite" restart="never" nodeType="tmRoot"/>
-      </p:par>
-    </p:tnLst>
-  </p:timing>
 </p:sld>
 </file>
 
@@ -6369,10 +6332,9 @@
           <a:lstStyle/>
           <a:p>
             <a:r>
-              <a:rPr lang="pt-BR" sz="6000" dirty="0" smtClean="0"/>
+              <a:rPr lang="pt-BR" sz="6000" dirty="0"/>
               <a:t>Vivaldi</a:t>
             </a:r>
-            <a:endParaRPr lang="pt-BR" sz="6000" dirty="0"/>
           </a:p>
         </p:txBody>
       </p:sp>
@@ -6403,15 +6365,15 @@
               <a:buChar char="v"/>
             </a:pPr>
             <a:r>
-              <a:rPr lang="pt-BR" sz="3200" dirty="0" smtClean="0"/>
+              <a:rPr lang="pt-BR" sz="3200" dirty="0"/>
               <a:t> </a:t>
             </a:r>
             <a:r>
-              <a:rPr lang="pt-BR" sz="3200" dirty="0" err="1" smtClean="0"/>
+              <a:rPr lang="pt-BR" sz="3200" dirty="0" err="1"/>
               <a:t>Nationality</a:t>
             </a:r>
             <a:r>
-              <a:rPr lang="pt-BR" sz="3200" dirty="0" smtClean="0"/>
+              <a:rPr lang="pt-BR" sz="3200" dirty="0"/>
               <a:t>;</a:t>
             </a:r>
           </a:p>
@@ -6425,14 +6387,13 @@
               <a:t> </a:t>
             </a:r>
             <a:r>
-              <a:rPr lang="pt-BR" sz="3200" dirty="0" err="1" smtClean="0"/>
+              <a:rPr lang="pt-BR" sz="3200" dirty="0" err="1"/>
               <a:t>Infance</a:t>
             </a:r>
             <a:r>
-              <a:rPr lang="pt-BR" sz="3200" dirty="0" smtClean="0"/>
+              <a:rPr lang="pt-BR" sz="3200" dirty="0"/>
               <a:t>;</a:t>
             </a:r>
-            <a:endParaRPr lang="pt-BR" sz="3200" dirty="0"/>
           </a:p>
         </p:txBody>
       </p:sp>
@@ -6462,15 +6423,15 @@
               <a:buChar char="v"/>
             </a:pPr>
             <a:r>
-              <a:rPr lang="pt-BR" sz="3200" dirty="0" smtClean="0"/>
+              <a:rPr lang="pt-BR" sz="3200" dirty="0"/>
               <a:t> </a:t>
             </a:r>
             <a:r>
-              <a:rPr lang="pt-BR" sz="3200" dirty="0" err="1" smtClean="0"/>
+              <a:rPr lang="pt-BR" sz="3200" dirty="0" err="1"/>
               <a:t>Relationship</a:t>
             </a:r>
             <a:r>
-              <a:rPr lang="pt-BR" sz="3200" dirty="0" smtClean="0"/>
+              <a:rPr lang="pt-BR" sz="3200" dirty="0"/>
               <a:t>;</a:t>
             </a:r>
           </a:p>
@@ -6480,15 +6441,15 @@
               <a:buChar char="v"/>
             </a:pPr>
             <a:r>
-              <a:rPr lang="pt-BR" sz="3200" dirty="0" smtClean="0"/>
+              <a:rPr lang="pt-BR" sz="3200" dirty="0"/>
               <a:t> </a:t>
             </a:r>
             <a:r>
-              <a:rPr lang="pt-BR" sz="3200" dirty="0" err="1" smtClean="0"/>
+              <a:rPr lang="pt-BR" sz="3200" dirty="0" err="1"/>
               <a:t>Compositions</a:t>
             </a:r>
             <a:r>
-              <a:rPr lang="pt-BR" sz="3200" dirty="0" smtClean="0"/>
+              <a:rPr lang="pt-BR" sz="3200" dirty="0"/>
               <a:t>;</a:t>
             </a:r>
           </a:p>
@@ -6502,7 +6463,7 @@
               <a:t> </a:t>
             </a:r>
             <a:r>
-              <a:rPr lang="pt-BR" sz="3200" dirty="0" err="1" smtClean="0"/>
+              <a:rPr lang="pt-BR" sz="3200" dirty="0" err="1"/>
               <a:t>Skills</a:t>
             </a:r>
             <a:endParaRPr lang="pt-BR" sz="3200" dirty="0"/>
@@ -6712,10 +6673,9 @@
           <a:p>
             <a:pPr algn="r"/>
             <a:r>
-              <a:rPr lang="pt-BR" i="1" dirty="0" smtClean="0"/>
+              <a:rPr lang="pt-BR" i="1" dirty="0"/>
               <a:t>1678 - 1741</a:t>
             </a:r>
-            <a:endParaRPr lang="pt-BR" i="1" dirty="0"/>
           </a:p>
         </p:txBody>
       </p:sp>
@@ -6770,13 +6730,6 @@
   <p:clrMapOvr>
     <a:masterClrMapping/>
   </p:clrMapOvr>
-  <p:timing>
-    <p:tnLst>
-      <p:par>
-        <p:cTn id="1" dur="indefinite" restart="never" nodeType="tmRoot"/>
-      </p:par>
-    </p:tnLst>
-  </p:timing>
 </p:sld>
 </file>
 
@@ -6820,7 +6773,7 @@
           <a:lstStyle/>
           <a:p>
             <a:r>
-              <a:rPr lang="pt-BR" sz="8800" b="1" dirty="0" err="1" smtClean="0"/>
+              <a:rPr lang="pt-BR" sz="8800" b="1" dirty="0" err="1"/>
               <a:t>Classicism</a:t>
             </a:r>
             <a:endParaRPr lang="pt-BR" sz="8800" b="1" dirty="0"/>
@@ -6999,47 +6952,47 @@
           </a:lstStyle>
           <a:p>
             <a:r>
-              <a:rPr lang="en-AU" sz="2400" b="1" dirty="0" smtClean="0"/>
+              <a:rPr lang="en-AU" sz="2400" b="1" dirty="0"/>
               <a:t>from the 18</a:t>
             </a:r>
             <a:r>
-              <a:rPr lang="en-AU" sz="2400" b="1" baseline="30000" dirty="0" smtClean="0"/>
+              <a:rPr lang="en-AU" sz="2400" b="1" baseline="30000" dirty="0"/>
               <a:t>th</a:t>
             </a:r>
             <a:r>
-              <a:rPr lang="en-AU" sz="2400" b="1" dirty="0" smtClean="0"/>
+              <a:rPr lang="en-AU" sz="2400" b="1" dirty="0"/>
               <a:t> century to 19</a:t>
             </a:r>
             <a:r>
-              <a:rPr lang="en-AU" sz="2400" b="1" baseline="30000" dirty="0" smtClean="0"/>
+              <a:rPr lang="en-AU" sz="2400" b="1" baseline="30000" dirty="0"/>
               <a:t>th</a:t>
             </a:r>
             <a:r>
-              <a:rPr lang="en-AU" sz="2400" b="1" dirty="0" smtClean="0"/>
+              <a:rPr lang="en-AU" sz="2400" b="1" dirty="0"/>
               <a:t> century in Europe;</a:t>
             </a:r>
           </a:p>
           <a:p>
             <a:r>
-              <a:rPr lang="en-AU" sz="2400" b="1" dirty="0" smtClean="0"/>
+              <a:rPr lang="en-AU" sz="2400" b="1" dirty="0"/>
               <a:t> French Revolution;</a:t>
             </a:r>
           </a:p>
           <a:p>
             <a:r>
-              <a:rPr lang="en-AU" sz="2400" b="1" dirty="0" smtClean="0"/>
+              <a:rPr lang="en-AU" sz="2400" b="1" dirty="0"/>
               <a:t> Change the spirit;</a:t>
             </a:r>
           </a:p>
           <a:p>
             <a:r>
-              <a:rPr lang="en-AU" sz="2400" b="1" dirty="0" smtClean="0"/>
+              <a:rPr lang="en-AU" sz="2400" b="1" dirty="0"/>
               <a:t> Transformation of Baroque music and Classicism;</a:t>
             </a:r>
           </a:p>
           <a:p>
             <a:r>
-              <a:rPr lang="en-AU" sz="2400" b="1" dirty="0" smtClean="0"/>
+              <a:rPr lang="en-AU" sz="2400" b="1" dirty="0"/>
               <a:t> Diversify the instruments;</a:t>
             </a:r>
           </a:p>
@@ -7062,13 +7015,6 @@
   <p:clrMapOvr>
     <a:masterClrMapping/>
   </p:clrMapOvr>
-  <p:timing>
-    <p:tnLst>
-      <p:par>
-        <p:cTn id="1" dur="indefinite" restart="never" nodeType="tmRoot"/>
-      </p:par>
-    </p:tnLst>
-  </p:timing>
 </p:sld>
 </file>
 
@@ -7210,10 +7156,9 @@
           <a:lstStyle/>
           <a:p>
             <a:r>
-              <a:rPr lang="pt-BR" sz="6000" dirty="0" smtClean="0"/>
+              <a:rPr lang="pt-BR" sz="6000" dirty="0"/>
               <a:t>Haydn</a:t>
             </a:r>
-            <a:endParaRPr lang="pt-BR" sz="6000" dirty="0"/>
           </a:p>
         </p:txBody>
       </p:sp>
@@ -7244,15 +7189,15 @@
               <a:buChar char="v"/>
             </a:pPr>
             <a:r>
-              <a:rPr lang="pt-BR" sz="3200" dirty="0" smtClean="0"/>
+              <a:rPr lang="pt-BR" sz="3200" dirty="0"/>
               <a:t> </a:t>
             </a:r>
             <a:r>
-              <a:rPr lang="pt-BR" sz="3200" dirty="0" err="1" smtClean="0"/>
+              <a:rPr lang="pt-BR" sz="3200" dirty="0" err="1"/>
               <a:t>Nationality</a:t>
             </a:r>
             <a:r>
-              <a:rPr lang="pt-BR" sz="3200" dirty="0" smtClean="0"/>
+              <a:rPr lang="pt-BR" sz="3200" dirty="0"/>
               <a:t>;</a:t>
             </a:r>
           </a:p>
@@ -7266,14 +7211,13 @@
               <a:t> </a:t>
             </a:r>
             <a:r>
-              <a:rPr lang="pt-BR" sz="3200" dirty="0" err="1" smtClean="0"/>
+              <a:rPr lang="pt-BR" sz="3200" dirty="0" err="1"/>
               <a:t>Infance</a:t>
             </a:r>
             <a:r>
-              <a:rPr lang="pt-BR" sz="3200" dirty="0" smtClean="0"/>
+              <a:rPr lang="pt-BR" sz="3200" dirty="0"/>
               <a:t>;</a:t>
             </a:r>
-            <a:endParaRPr lang="pt-BR" sz="3200" dirty="0"/>
           </a:p>
         </p:txBody>
       </p:sp>
@@ -7303,15 +7247,15 @@
               <a:buChar char="v"/>
             </a:pPr>
             <a:r>
-              <a:rPr lang="pt-BR" sz="3200" dirty="0" smtClean="0"/>
+              <a:rPr lang="pt-BR" sz="3200" dirty="0"/>
               <a:t> </a:t>
             </a:r>
             <a:r>
-              <a:rPr lang="pt-BR" sz="3200" dirty="0" err="1" smtClean="0"/>
+              <a:rPr lang="pt-BR" sz="3200" dirty="0" err="1"/>
               <a:t>Relationship</a:t>
             </a:r>
             <a:r>
-              <a:rPr lang="pt-BR" sz="3200" dirty="0" smtClean="0"/>
+              <a:rPr lang="pt-BR" sz="3200" dirty="0"/>
               <a:t>;</a:t>
             </a:r>
           </a:p>
@@ -7321,15 +7265,15 @@
               <a:buChar char="v"/>
             </a:pPr>
             <a:r>
-              <a:rPr lang="pt-BR" sz="3200" dirty="0" smtClean="0"/>
+              <a:rPr lang="pt-BR" sz="3200" dirty="0"/>
               <a:t> </a:t>
             </a:r>
             <a:r>
-              <a:rPr lang="pt-BR" sz="3200" dirty="0" err="1" smtClean="0"/>
+              <a:rPr lang="pt-BR" sz="3200" dirty="0" err="1"/>
               <a:t>Compositions</a:t>
             </a:r>
             <a:r>
-              <a:rPr lang="pt-BR" sz="3200" dirty="0" smtClean="0"/>
+              <a:rPr lang="pt-BR" sz="3200" dirty="0"/>
               <a:t>;</a:t>
             </a:r>
           </a:p>
@@ -7343,7 +7287,7 @@
               <a:t> </a:t>
             </a:r>
             <a:r>
-              <a:rPr lang="pt-BR" sz="3200" dirty="0" err="1" smtClean="0"/>
+              <a:rPr lang="pt-BR" sz="3200" dirty="0" err="1"/>
               <a:t>Skills</a:t>
             </a:r>
             <a:endParaRPr lang="pt-BR" sz="3200" dirty="0"/>
@@ -7553,10 +7497,9 @@
           <a:p>
             <a:pPr algn="r"/>
             <a:r>
-              <a:rPr lang="pt-BR" i="1" dirty="0" smtClean="0"/>
+              <a:rPr lang="pt-BR" i="1" dirty="0"/>
               <a:t>1678 - 1741</a:t>
             </a:r>
-            <a:endParaRPr lang="pt-BR" i="1" dirty="0"/>
           </a:p>
         </p:txBody>
       </p:sp>
@@ -7611,13 +7554,6 @@
   <p:clrMapOvr>
     <a:masterClrMapping/>
   </p:clrMapOvr>
-  <p:timing>
-    <p:tnLst>
-      <p:par>
-        <p:cTn id="1" dur="indefinite" restart="never" nodeType="tmRoot"/>
-      </p:par>
-    </p:tnLst>
-  </p:timing>
 </p:sld>
 </file>
 
@@ -7759,10 +7695,9 @@
           <a:lstStyle/>
           <a:p>
             <a:r>
-              <a:rPr lang="pt-BR" sz="6000" dirty="0" smtClean="0"/>
+              <a:rPr lang="pt-BR" sz="6000" dirty="0"/>
               <a:t>Mozart</a:t>
             </a:r>
-            <a:endParaRPr lang="pt-BR" sz="6000" dirty="0"/>
           </a:p>
         </p:txBody>
       </p:sp>
@@ -7793,15 +7728,15 @@
               <a:buChar char="v"/>
             </a:pPr>
             <a:r>
-              <a:rPr lang="pt-BR" sz="3200" dirty="0" smtClean="0"/>
+              <a:rPr lang="pt-BR" sz="3200" dirty="0"/>
               <a:t> </a:t>
             </a:r>
             <a:r>
-              <a:rPr lang="pt-BR" sz="3200" dirty="0" err="1" smtClean="0"/>
+              <a:rPr lang="pt-BR" sz="3200" dirty="0" err="1"/>
               <a:t>Nationality</a:t>
             </a:r>
             <a:r>
-              <a:rPr lang="pt-BR" sz="3200" dirty="0" smtClean="0"/>
+              <a:rPr lang="pt-BR" sz="3200" dirty="0"/>
               <a:t>;</a:t>
             </a:r>
           </a:p>
@@ -7815,14 +7750,13 @@
               <a:t> </a:t>
             </a:r>
             <a:r>
-              <a:rPr lang="pt-BR" sz="3200" dirty="0" err="1" smtClean="0"/>
+              <a:rPr lang="pt-BR" sz="3200" dirty="0" err="1"/>
               <a:t>Infance</a:t>
             </a:r>
             <a:r>
-              <a:rPr lang="pt-BR" sz="3200" dirty="0" smtClean="0"/>
+              <a:rPr lang="pt-BR" sz="3200" dirty="0"/>
               <a:t>;</a:t>
             </a:r>
-            <a:endParaRPr lang="pt-BR" sz="3200" dirty="0"/>
           </a:p>
         </p:txBody>
       </p:sp>
@@ -7852,15 +7786,15 @@
               <a:buChar char="v"/>
             </a:pPr>
             <a:r>
-              <a:rPr lang="pt-BR" sz="3200" dirty="0" smtClean="0"/>
+              <a:rPr lang="pt-BR" sz="3200" dirty="0"/>
               <a:t> </a:t>
             </a:r>
             <a:r>
-              <a:rPr lang="pt-BR" sz="3200" dirty="0" err="1" smtClean="0"/>
+              <a:rPr lang="pt-BR" sz="3200" dirty="0" err="1"/>
               <a:t>Relationship</a:t>
             </a:r>
             <a:r>
-              <a:rPr lang="pt-BR" sz="3200" dirty="0" smtClean="0"/>
+              <a:rPr lang="pt-BR" sz="3200" dirty="0"/>
               <a:t>;</a:t>
             </a:r>
           </a:p>
@@ -7870,15 +7804,15 @@
               <a:buChar char="v"/>
             </a:pPr>
             <a:r>
-              <a:rPr lang="pt-BR" sz="3200" dirty="0" smtClean="0"/>
+              <a:rPr lang="pt-BR" sz="3200" dirty="0"/>
               <a:t> </a:t>
             </a:r>
             <a:r>
-              <a:rPr lang="pt-BR" sz="3200" dirty="0" err="1" smtClean="0"/>
+              <a:rPr lang="pt-BR" sz="3200" dirty="0" err="1"/>
               <a:t>Compositions</a:t>
             </a:r>
             <a:r>
-              <a:rPr lang="pt-BR" sz="3200" dirty="0" smtClean="0"/>
+              <a:rPr lang="pt-BR" sz="3200" dirty="0"/>
               <a:t>;</a:t>
             </a:r>
           </a:p>
@@ -7892,7 +7826,7 @@
               <a:t> </a:t>
             </a:r>
             <a:r>
-              <a:rPr lang="pt-BR" sz="3200" dirty="0" err="1" smtClean="0"/>
+              <a:rPr lang="pt-BR" sz="3200" dirty="0" err="1"/>
               <a:t>Skills</a:t>
             </a:r>
             <a:endParaRPr lang="pt-BR" sz="3200" dirty="0"/>
@@ -8102,10 +8036,9 @@
           <a:p>
             <a:pPr algn="r"/>
             <a:r>
-              <a:rPr lang="pt-BR" i="1" dirty="0" smtClean="0"/>
+              <a:rPr lang="pt-BR" i="1" dirty="0"/>
               <a:t>1756 - 1791</a:t>
             </a:r>
-            <a:endParaRPr lang="pt-BR" i="1" dirty="0"/>
           </a:p>
         </p:txBody>
       </p:sp>
@@ -8149,13 +8082,6 @@
   <p:clrMapOvr>
     <a:masterClrMapping/>
   </p:clrMapOvr>
-  <p:timing>
-    <p:tnLst>
-      <p:par>
-        <p:cTn id="1" dur="indefinite" restart="never" nodeType="tmRoot"/>
-      </p:par>
-    </p:tnLst>
-  </p:timing>
 </p:sld>
 </file>
 
@@ -8199,15 +8125,15 @@
           <a:lstStyle/>
           <a:p>
             <a:r>
-              <a:rPr lang="pt-BR" sz="5400" b="1" dirty="0" smtClean="0"/>
+              <a:rPr lang="pt-BR" sz="5400" b="1" dirty="0"/>
               <a:t>Medieval</a:t>
             </a:r>
             <a:r>
-              <a:rPr lang="pt-BR" sz="4800" b="1" dirty="0" smtClean="0"/>
+              <a:rPr lang="pt-BR" sz="4800" b="1" dirty="0"/>
               <a:t> </a:t>
             </a:r>
             <a:r>
-              <a:rPr lang="pt-BR" sz="4800" b="1" dirty="0" err="1" smtClean="0"/>
+              <a:rPr lang="pt-BR" sz="4800" b="1" dirty="0" err="1"/>
               <a:t>period</a:t>
             </a:r>
             <a:endParaRPr lang="en-AU" sz="4800" b="1" dirty="0"/>
@@ -8237,143 +8163,135 @@
           <a:lstStyle/>
           <a:p>
             <a:r>
-              <a:rPr lang="pt-BR" sz="2400" dirty="0" smtClean="0"/>
-              <a:t> </a:t>
-            </a:r>
-            <a:r>
-              <a:rPr lang="pt-BR" sz="2400" dirty="0" err="1" smtClean="0"/>
-              <a:t>From</a:t>
-            </a:r>
-            <a:r>
-              <a:rPr lang="pt-BR" sz="2400" dirty="0" smtClean="0"/>
-              <a:t> 5th </a:t>
-            </a:r>
-            <a:r>
-              <a:rPr lang="pt-BR" sz="2400" dirty="0" err="1" smtClean="0"/>
-              <a:t>century</a:t>
-            </a:r>
-            <a:r>
-              <a:rPr lang="pt-BR" sz="2400" dirty="0" smtClean="0"/>
-              <a:t> </a:t>
-            </a:r>
-            <a:r>
-              <a:rPr lang="pt-BR" sz="2400" dirty="0" err="1" smtClean="0"/>
-              <a:t>to</a:t>
-            </a:r>
-            <a:r>
-              <a:rPr lang="pt-BR" sz="2400" dirty="0" smtClean="0"/>
-              <a:t> 15th </a:t>
-            </a:r>
-            <a:r>
-              <a:rPr lang="pt-BR" sz="2400" dirty="0" err="1" smtClean="0"/>
-              <a:t>century</a:t>
-            </a:r>
-            <a:r>
-              <a:rPr lang="pt-BR" sz="2400" dirty="0" smtClean="0"/>
-              <a:t>;</a:t>
-            </a:r>
-          </a:p>
-          <a:p>
-            <a:r>
               <a:rPr lang="pt-BR" sz="2400" dirty="0"/>
               <a:t> </a:t>
             </a:r>
             <a:r>
-              <a:rPr lang="pt-BR" sz="2400" dirty="0" err="1" smtClean="0"/>
+              <a:rPr lang="pt-BR" sz="2400" dirty="0" err="1"/>
+              <a:t>From</a:t>
+            </a:r>
+            <a:r>
+              <a:rPr lang="pt-BR" sz="2400" dirty="0"/>
+              <a:t> 5th </a:t>
+            </a:r>
+            <a:r>
+              <a:rPr lang="pt-BR" sz="2400" dirty="0" err="1"/>
+              <a:t>century</a:t>
+            </a:r>
+            <a:r>
+              <a:rPr lang="pt-BR" sz="2400" dirty="0"/>
+              <a:t> </a:t>
+            </a:r>
+            <a:r>
+              <a:rPr lang="pt-BR" sz="2400" dirty="0" err="1"/>
+              <a:t>to</a:t>
+            </a:r>
+            <a:r>
+              <a:rPr lang="pt-BR" sz="2400" dirty="0"/>
+              <a:t> 15th </a:t>
+            </a:r>
+            <a:r>
+              <a:rPr lang="pt-BR" sz="2400" dirty="0" err="1"/>
+              <a:t>century</a:t>
+            </a:r>
+            <a:r>
+              <a:rPr lang="pt-BR" sz="2400" dirty="0"/>
+              <a:t>;</a:t>
+            </a:r>
+          </a:p>
+          <a:p>
+            <a:r>
+              <a:rPr lang="pt-BR" sz="2400" dirty="0"/>
+              <a:t> </a:t>
+            </a:r>
+            <a:r>
+              <a:rPr lang="pt-BR" sz="2400" dirty="0" err="1"/>
               <a:t>Fall</a:t>
             </a:r>
             <a:r>
-              <a:rPr lang="pt-BR" sz="2400" dirty="0" smtClean="0"/>
+              <a:rPr lang="pt-BR" sz="2400" dirty="0"/>
               <a:t> </a:t>
             </a:r>
             <a:r>
-              <a:rPr lang="pt-BR" sz="2400" dirty="0" err="1" smtClean="0"/>
+              <a:rPr lang="pt-BR" sz="2400" dirty="0" err="1"/>
               <a:t>of</a:t>
             </a:r>
             <a:r>
-              <a:rPr lang="pt-BR" sz="2400" dirty="0" smtClean="0"/>
+              <a:rPr lang="pt-BR" sz="2400" dirty="0"/>
               <a:t> </a:t>
             </a:r>
             <a:r>
-              <a:rPr lang="pt-BR" sz="2400" dirty="0" err="1" smtClean="0"/>
+              <a:rPr lang="pt-BR" sz="2400" dirty="0" err="1"/>
               <a:t>the</a:t>
             </a:r>
             <a:r>
-              <a:rPr lang="pt-BR" sz="2400" dirty="0" smtClean="0"/>
+              <a:rPr lang="pt-BR" sz="2400" dirty="0"/>
               <a:t> Roman Empire;</a:t>
             </a:r>
           </a:p>
           <a:p>
             <a:r>
-              <a:rPr lang="pt-BR" sz="2400" dirty="0" smtClean="0"/>
+              <a:rPr lang="pt-BR" sz="2400" dirty="0"/>
+              <a:t> Churchill Power;</a:t>
+            </a:r>
+          </a:p>
+          <a:p>
+            <a:r>
+              <a:rPr lang="pt-BR" sz="2400" dirty="0"/>
+              <a:t> Sacra </a:t>
+            </a:r>
+            <a:r>
+              <a:rPr lang="pt-BR" sz="2400" dirty="0" err="1"/>
+              <a:t>music</a:t>
+            </a:r>
+            <a:r>
+              <a:rPr lang="pt-BR" sz="2400" dirty="0"/>
               <a:t> </a:t>
             </a:r>
             <a:r>
-              <a:rPr lang="pt-BR" sz="2400" dirty="0" smtClean="0"/>
-              <a:t>Churchill </a:t>
-            </a:r>
-            <a:r>
-              <a:rPr lang="pt-BR" sz="2400" dirty="0" smtClean="0"/>
-              <a:t>Power;</a:t>
-            </a:r>
-          </a:p>
-          <a:p>
-            <a:r>
-              <a:rPr lang="pt-BR" sz="2400" dirty="0" smtClean="0"/>
-              <a:t> Sacra </a:t>
-            </a:r>
-            <a:r>
-              <a:rPr lang="pt-BR" sz="2400" dirty="0" err="1" smtClean="0"/>
+              <a:rPr lang="pt-BR" sz="2400" dirty="0" err="1"/>
+              <a:t>and</a:t>
+            </a:r>
+            <a:r>
+              <a:rPr lang="pt-BR" sz="2400" dirty="0"/>
+              <a:t> Profane </a:t>
+            </a:r>
+            <a:r>
+              <a:rPr lang="pt-BR" sz="2400" dirty="0" err="1"/>
               <a:t>music</a:t>
             </a:r>
             <a:r>
-              <a:rPr lang="pt-BR" sz="2400" dirty="0" smtClean="0"/>
+              <a:rPr lang="pt-BR" sz="2400" dirty="0"/>
+              <a:t>;</a:t>
+            </a:r>
+          </a:p>
+          <a:p>
+            <a:r>
+              <a:rPr lang="pt-BR" sz="2400" dirty="0"/>
+              <a:t>  Exchange-</a:t>
+            </a:r>
+            <a:r>
+              <a:rPr lang="pt-BR" sz="2400" dirty="0" err="1"/>
+              <a:t>based</a:t>
+            </a:r>
+            <a:r>
+              <a:rPr lang="pt-BR" sz="2400" dirty="0"/>
               <a:t> </a:t>
             </a:r>
             <a:r>
-              <a:rPr lang="pt-BR" sz="2400" dirty="0" err="1" smtClean="0"/>
-              <a:t>and</a:t>
-            </a:r>
-            <a:r>
-              <a:rPr lang="pt-BR" sz="2400" dirty="0" smtClean="0"/>
-              <a:t> Profane </a:t>
-            </a:r>
-            <a:r>
-              <a:rPr lang="pt-BR" sz="2400" dirty="0" err="1" smtClean="0"/>
-              <a:t>music</a:t>
-            </a:r>
-            <a:r>
-              <a:rPr lang="pt-BR" sz="2400" dirty="0" smtClean="0"/>
-              <a:t>;</a:t>
-            </a:r>
-          </a:p>
-          <a:p>
-            <a:r>
-              <a:rPr lang="pt-BR" sz="2400" dirty="0" smtClean="0"/>
-              <a:t>  Exchange-</a:t>
-            </a:r>
-            <a:r>
-              <a:rPr lang="pt-BR" sz="2400" dirty="0" err="1" smtClean="0"/>
-              <a:t>based</a:t>
-            </a:r>
-            <a:r>
-              <a:rPr lang="pt-BR" sz="2400" dirty="0" smtClean="0"/>
-              <a:t> </a:t>
-            </a:r>
-            <a:r>
-              <a:rPr lang="pt-BR" sz="2400" dirty="0" err="1" smtClean="0"/>
+              <a:rPr lang="pt-BR" sz="2400" dirty="0" err="1"/>
               <a:t>commerce</a:t>
             </a:r>
             <a:r>
-              <a:rPr lang="pt-BR" sz="2400" dirty="0" smtClean="0"/>
+              <a:rPr lang="pt-BR" sz="2400" dirty="0"/>
               <a:t>; </a:t>
             </a:r>
           </a:p>
           <a:p>
-            <a:endParaRPr lang="pt-BR" sz="2400" dirty="0" smtClean="0"/>
-          </a:p>
-          <a:p>
-            <a:endParaRPr lang="pt-BR" sz="2400" dirty="0" smtClean="0"/>
+            <a:endParaRPr lang="pt-BR" sz="2400" dirty="0"/>
+          </a:p>
+          <a:p>
+            <a:endParaRPr lang="pt-BR" sz="2400" dirty="0"/>
           </a:p>
           <a:p>
             <a:endParaRPr lang="en-AU" sz="2400" dirty="0"/>
@@ -8418,13 +8336,6 @@
   <p:clrMapOvr>
     <a:masterClrMapping/>
   </p:clrMapOvr>
-  <p:timing>
-    <p:tnLst>
-      <p:par>
-        <p:cTn id="1" dur="indefinite" restart="never" nodeType="tmRoot"/>
-      </p:par>
-    </p:tnLst>
-  </p:timing>
 </p:sld>
 </file>
 
@@ -8566,7 +8477,7 @@
           <a:lstStyle/>
           <a:p>
             <a:r>
-              <a:rPr lang="pt-BR" sz="6000" dirty="0" err="1" smtClean="0"/>
+              <a:rPr lang="pt-BR" sz="6000" dirty="0" err="1"/>
               <a:t>beethoven</a:t>
             </a:r>
             <a:endParaRPr lang="pt-BR" sz="6000" dirty="0"/>
@@ -8600,15 +8511,15 @@
               <a:buChar char="v"/>
             </a:pPr>
             <a:r>
-              <a:rPr lang="pt-BR" sz="3200" dirty="0" smtClean="0"/>
+              <a:rPr lang="pt-BR" sz="3200" dirty="0"/>
               <a:t> </a:t>
             </a:r>
             <a:r>
-              <a:rPr lang="pt-BR" sz="3200" dirty="0" err="1" smtClean="0"/>
+              <a:rPr lang="pt-BR" sz="3200" dirty="0" err="1"/>
               <a:t>Nationality</a:t>
             </a:r>
             <a:r>
-              <a:rPr lang="pt-BR" sz="3200" dirty="0" smtClean="0"/>
+              <a:rPr lang="pt-BR" sz="3200" dirty="0"/>
               <a:t>;</a:t>
             </a:r>
           </a:p>
@@ -8622,14 +8533,13 @@
               <a:t> </a:t>
             </a:r>
             <a:r>
-              <a:rPr lang="pt-BR" sz="3200" dirty="0" err="1" smtClean="0"/>
+              <a:rPr lang="pt-BR" sz="3200" dirty="0" err="1"/>
               <a:t>Infance</a:t>
             </a:r>
             <a:r>
-              <a:rPr lang="pt-BR" sz="3200" dirty="0" smtClean="0"/>
+              <a:rPr lang="pt-BR" sz="3200" dirty="0"/>
               <a:t>;</a:t>
             </a:r>
-            <a:endParaRPr lang="pt-BR" sz="3200" dirty="0"/>
           </a:p>
         </p:txBody>
       </p:sp>
@@ -8659,15 +8569,15 @@
               <a:buChar char="v"/>
             </a:pPr>
             <a:r>
-              <a:rPr lang="pt-BR" sz="3200" dirty="0" smtClean="0"/>
+              <a:rPr lang="pt-BR" sz="3200" dirty="0"/>
               <a:t> </a:t>
             </a:r>
             <a:r>
-              <a:rPr lang="pt-BR" sz="3200" dirty="0" err="1" smtClean="0"/>
+              <a:rPr lang="pt-BR" sz="3200" dirty="0" err="1"/>
               <a:t>Relationship</a:t>
             </a:r>
             <a:r>
-              <a:rPr lang="pt-BR" sz="3200" dirty="0" smtClean="0"/>
+              <a:rPr lang="pt-BR" sz="3200" dirty="0"/>
               <a:t>;</a:t>
             </a:r>
           </a:p>
@@ -8677,15 +8587,15 @@
               <a:buChar char="v"/>
             </a:pPr>
             <a:r>
-              <a:rPr lang="pt-BR" sz="3200" dirty="0" smtClean="0"/>
+              <a:rPr lang="pt-BR" sz="3200" dirty="0"/>
               <a:t> </a:t>
             </a:r>
             <a:r>
-              <a:rPr lang="pt-BR" sz="3200" dirty="0" err="1" smtClean="0"/>
+              <a:rPr lang="pt-BR" sz="3200" dirty="0" err="1"/>
               <a:t>Compositions</a:t>
             </a:r>
             <a:r>
-              <a:rPr lang="pt-BR" sz="3200" dirty="0" smtClean="0"/>
+              <a:rPr lang="pt-BR" sz="3200" dirty="0"/>
               <a:t>;</a:t>
             </a:r>
           </a:p>
@@ -8699,7 +8609,7 @@
               <a:t> </a:t>
             </a:r>
             <a:r>
-              <a:rPr lang="pt-BR" sz="3200" dirty="0" err="1" smtClean="0"/>
+              <a:rPr lang="pt-BR" sz="3200" dirty="0" err="1"/>
               <a:t>Skills</a:t>
             </a:r>
             <a:endParaRPr lang="pt-BR" sz="3200" dirty="0"/>
@@ -8909,10 +8819,9 @@
           <a:p>
             <a:pPr algn="r"/>
             <a:r>
-              <a:rPr lang="pt-BR" i="1" dirty="0" smtClean="0"/>
+              <a:rPr lang="pt-BR" i="1" dirty="0"/>
               <a:t>1770 - 1827</a:t>
             </a:r>
-            <a:endParaRPr lang="pt-BR" i="1" dirty="0"/>
           </a:p>
         </p:txBody>
       </p:sp>
@@ -8956,13 +8865,6 @@
   <p:clrMapOvr>
     <a:masterClrMapping/>
   </p:clrMapOvr>
-  <p:timing>
-    <p:tnLst>
-      <p:par>
-        <p:cTn id="1" dur="indefinite" restart="never" nodeType="tmRoot"/>
-      </p:par>
-    </p:tnLst>
-  </p:timing>
 </p:sld>
 </file>
 
@@ -9006,14 +8908,13 @@
           <a:lstStyle/>
           <a:p>
             <a:r>
-              <a:rPr lang="pt-BR" sz="9600" dirty="0" err="1" smtClean="0"/>
+              <a:rPr lang="pt-BR" sz="9600" dirty="0" err="1"/>
               <a:t>Romantism</a:t>
             </a:r>
             <a:r>
-              <a:rPr lang="pt-BR" dirty="0" smtClean="0"/>
+              <a:rPr lang="pt-BR" dirty="0"/>
               <a:t> </a:t>
             </a:r>
-            <a:endParaRPr lang="pt-BR" dirty="0"/>
           </a:p>
         </p:txBody>
       </p:sp>
@@ -9057,46 +8958,30 @@
             </a:r>
             <a:r>
               <a:rPr lang="en-AU" sz="2400" b="1" dirty="0"/>
-              <a:t> century in </a:t>
-            </a:r>
-            <a:r>
-              <a:rPr lang="en-AU" sz="2400" b="1" dirty="0" smtClean="0"/>
-              <a:t>Europe;</a:t>
+              <a:t> century in Europe;</a:t>
             </a:r>
           </a:p>
           <a:p>
             <a:r>
               <a:rPr lang="en-AU" sz="2400" b="1" dirty="0"/>
-              <a:t> </a:t>
-            </a:r>
-            <a:r>
-              <a:rPr lang="en-AU" sz="2400" b="1" dirty="0" smtClean="0"/>
-              <a:t>French Revolution;</a:t>
-            </a:r>
-          </a:p>
-          <a:p>
-            <a:r>
-              <a:rPr lang="en-AU" sz="2400" b="1" dirty="0" smtClean="0"/>
+              <a:t> French Revolution;</a:t>
+            </a:r>
+          </a:p>
+          <a:p>
+            <a:r>
+              <a:rPr lang="en-AU" sz="2400" b="1" dirty="0"/>
               <a:t> Change the spirit;</a:t>
             </a:r>
           </a:p>
           <a:p>
             <a:r>
-              <a:rPr lang="en-AU" sz="2400" b="1" dirty="0" smtClean="0"/>
-              <a:t> Transformation of Baroque </a:t>
-            </a:r>
-            <a:r>
               <a:rPr lang="en-AU" sz="2400" b="1" dirty="0"/>
-              <a:t>and Classicism </a:t>
-            </a:r>
-            <a:r>
-              <a:rPr lang="en-AU" sz="2400" b="1" dirty="0" smtClean="0"/>
-              <a:t>music;</a:t>
-            </a:r>
-          </a:p>
-          <a:p>
-            <a:r>
-              <a:rPr lang="en-AU" sz="2400" b="1" dirty="0" smtClean="0"/>
+              <a:t> Transformation of Baroque and Classicism music;</a:t>
+            </a:r>
+          </a:p>
+          <a:p>
+            <a:r>
+              <a:rPr lang="en-AU" sz="2400" b="1" dirty="0"/>
               <a:t> Diversify the instruments;</a:t>
             </a:r>
           </a:p>
@@ -9135,22 +9020,21 @@
               <a:buChar char="v"/>
             </a:pPr>
             <a:r>
-              <a:rPr lang="pt-BR" sz="2400" dirty="0" err="1" smtClean="0"/>
+              <a:rPr lang="pt-BR" sz="2400" dirty="0" err="1"/>
               <a:t>Urbanism</a:t>
             </a:r>
             <a:r>
-              <a:rPr lang="pt-BR" sz="2400" dirty="0" smtClean="0"/>
+              <a:rPr lang="pt-BR" sz="2400" dirty="0"/>
               <a:t>  X </a:t>
             </a:r>
             <a:r>
-              <a:rPr lang="pt-BR" sz="2400" dirty="0" err="1" smtClean="0"/>
+              <a:rPr lang="pt-BR" sz="2400" dirty="0" err="1"/>
               <a:t>Countryside</a:t>
             </a:r>
             <a:r>
-              <a:rPr lang="pt-BR" sz="2400" dirty="0" smtClean="0"/>
+              <a:rPr lang="pt-BR" sz="2400" dirty="0"/>
               <a:t> </a:t>
             </a:r>
-            <a:endParaRPr lang="pt-BR" sz="2400" dirty="0"/>
           </a:p>
         </p:txBody>
       </p:sp>
@@ -9164,13 +9048,6 @@
   <p:clrMapOvr>
     <a:masterClrMapping/>
   </p:clrMapOvr>
-  <p:timing>
-    <p:tnLst>
-      <p:par>
-        <p:cTn id="1" dur="indefinite" restart="never" nodeType="tmRoot"/>
-      </p:par>
-    </p:tnLst>
-  </p:timing>
 </p:sld>
 </file>
 
@@ -9312,10 +9189,9 @@
           <a:lstStyle/>
           <a:p>
             <a:r>
-              <a:rPr lang="pt-BR" sz="5400" dirty="0" smtClean="0"/>
+              <a:rPr lang="pt-BR" sz="5400" dirty="0"/>
               <a:t>Chopin</a:t>
             </a:r>
-            <a:endParaRPr lang="pt-BR" sz="5400" dirty="0"/>
           </a:p>
         </p:txBody>
       </p:sp>
@@ -9346,15 +9222,15 @@
               <a:buChar char="v"/>
             </a:pPr>
             <a:r>
-              <a:rPr lang="pt-BR" sz="3200" dirty="0" smtClean="0"/>
+              <a:rPr lang="pt-BR" sz="3200" dirty="0"/>
               <a:t> </a:t>
             </a:r>
             <a:r>
-              <a:rPr lang="pt-BR" sz="3200" dirty="0" err="1" smtClean="0"/>
+              <a:rPr lang="pt-BR" sz="3200" dirty="0" err="1"/>
               <a:t>Nationality</a:t>
             </a:r>
             <a:r>
-              <a:rPr lang="pt-BR" sz="3200" dirty="0" smtClean="0"/>
+              <a:rPr lang="pt-BR" sz="3200" dirty="0"/>
               <a:t>;</a:t>
             </a:r>
           </a:p>
@@ -9368,14 +9244,13 @@
               <a:t> </a:t>
             </a:r>
             <a:r>
-              <a:rPr lang="pt-BR" sz="3200" dirty="0" err="1" smtClean="0"/>
+              <a:rPr lang="pt-BR" sz="3200" dirty="0" err="1"/>
               <a:t>Infance</a:t>
             </a:r>
             <a:r>
-              <a:rPr lang="pt-BR" sz="3200" dirty="0" smtClean="0"/>
+              <a:rPr lang="pt-BR" sz="3200" dirty="0"/>
               <a:t>;</a:t>
             </a:r>
-            <a:endParaRPr lang="pt-BR" sz="3200" dirty="0"/>
           </a:p>
         </p:txBody>
       </p:sp>
@@ -9405,15 +9280,15 @@
               <a:buChar char="v"/>
             </a:pPr>
             <a:r>
-              <a:rPr lang="pt-BR" sz="3200" dirty="0" smtClean="0"/>
+              <a:rPr lang="pt-BR" sz="3200" dirty="0"/>
               <a:t> </a:t>
             </a:r>
             <a:r>
-              <a:rPr lang="pt-BR" sz="3200" dirty="0" err="1" smtClean="0"/>
+              <a:rPr lang="pt-BR" sz="3200" dirty="0" err="1"/>
               <a:t>Relationship</a:t>
             </a:r>
             <a:r>
-              <a:rPr lang="pt-BR" sz="3200" dirty="0" smtClean="0"/>
+              <a:rPr lang="pt-BR" sz="3200" dirty="0"/>
               <a:t>;</a:t>
             </a:r>
           </a:p>
@@ -9423,15 +9298,15 @@
               <a:buChar char="v"/>
             </a:pPr>
             <a:r>
-              <a:rPr lang="pt-BR" sz="3200" dirty="0" smtClean="0"/>
+              <a:rPr lang="pt-BR" sz="3200" dirty="0"/>
               <a:t> </a:t>
             </a:r>
             <a:r>
-              <a:rPr lang="pt-BR" sz="3200" dirty="0" err="1" smtClean="0"/>
+              <a:rPr lang="pt-BR" sz="3200" dirty="0" err="1"/>
               <a:t>Compositions</a:t>
             </a:r>
             <a:r>
-              <a:rPr lang="pt-BR" sz="3200" dirty="0" smtClean="0"/>
+              <a:rPr lang="pt-BR" sz="3200" dirty="0"/>
               <a:t>;</a:t>
             </a:r>
           </a:p>
@@ -9441,18 +9316,17 @@
               <a:buChar char="v"/>
             </a:pPr>
             <a:r>
-              <a:rPr lang="pt-BR" sz="3200" dirty="0" smtClean="0"/>
+              <a:rPr lang="pt-BR" sz="3200" dirty="0"/>
               <a:t> </a:t>
             </a:r>
             <a:r>
-              <a:rPr lang="pt-BR" sz="3200" dirty="0" err="1" smtClean="0"/>
+              <a:rPr lang="pt-BR" sz="3200" dirty="0" err="1"/>
               <a:t>Skills</a:t>
             </a:r>
             <a:r>
-              <a:rPr lang="pt-BR" sz="3200" dirty="0" smtClean="0"/>
+              <a:rPr lang="pt-BR" sz="3200" dirty="0"/>
               <a:t>;</a:t>
             </a:r>
-            <a:endParaRPr lang="pt-BR" sz="3200" dirty="0"/>
           </a:p>
         </p:txBody>
       </p:sp>
@@ -9668,7 +9542,7 @@
           </a:lstStyle>
           <a:p>
             <a:r>
-              <a:rPr lang="en-US" dirty="0" smtClean="0"/>
+              <a:rPr lang="en-US" dirty="0"/>
               <a:t>https://www.youtube.com/watch?v=_5y2LUUwK3E </a:t>
             </a:r>
             <a:endParaRPr lang="pt-BR" dirty="0"/>
@@ -9699,10 +9573,9 @@
           <a:p>
             <a:pPr algn="r"/>
             <a:r>
-              <a:rPr lang="pt-BR" i="1" dirty="0" smtClean="0"/>
+              <a:rPr lang="pt-BR" i="1" dirty="0"/>
               <a:t>1810 - 1849</a:t>
             </a:r>
-            <a:endParaRPr lang="pt-BR" i="1" dirty="0"/>
           </a:p>
         </p:txBody>
       </p:sp>
@@ -9716,13 +9589,6 @@
   <p:clrMapOvr>
     <a:masterClrMapping/>
   </p:clrMapOvr>
-  <p:timing>
-    <p:tnLst>
-      <p:par>
-        <p:cTn id="1" dur="indefinite" restart="never" nodeType="tmRoot"/>
-      </p:par>
-    </p:tnLst>
-  </p:timing>
 </p:sld>
 </file>
 
@@ -9864,10 +9730,9 @@
           <a:lstStyle/>
           <a:p>
             <a:r>
-              <a:rPr lang="pt-BR" sz="7200" dirty="0" smtClean="0"/>
+              <a:rPr lang="pt-BR" sz="7200" dirty="0"/>
               <a:t>Verdi</a:t>
             </a:r>
-            <a:endParaRPr lang="pt-BR" sz="7200" dirty="0"/>
           </a:p>
         </p:txBody>
       </p:sp>
@@ -9898,15 +9763,15 @@
               <a:buChar char="v"/>
             </a:pPr>
             <a:r>
-              <a:rPr lang="pt-BR" sz="3200" dirty="0" smtClean="0"/>
+              <a:rPr lang="pt-BR" sz="3200" dirty="0"/>
               <a:t> </a:t>
             </a:r>
             <a:r>
-              <a:rPr lang="pt-BR" sz="3200" dirty="0" err="1" smtClean="0"/>
+              <a:rPr lang="pt-BR" sz="3200" dirty="0" err="1"/>
               <a:t>Nationality</a:t>
             </a:r>
             <a:r>
-              <a:rPr lang="pt-BR" sz="3200" dirty="0" smtClean="0"/>
+              <a:rPr lang="pt-BR" sz="3200" dirty="0"/>
               <a:t>;</a:t>
             </a:r>
           </a:p>
@@ -9920,14 +9785,13 @@
               <a:t> </a:t>
             </a:r>
             <a:r>
-              <a:rPr lang="pt-BR" sz="3200" dirty="0" err="1" smtClean="0"/>
+              <a:rPr lang="pt-BR" sz="3200" dirty="0" err="1"/>
               <a:t>Infance</a:t>
             </a:r>
             <a:r>
-              <a:rPr lang="pt-BR" sz="3200" dirty="0" smtClean="0"/>
+              <a:rPr lang="pt-BR" sz="3200" dirty="0"/>
               <a:t>;</a:t>
             </a:r>
-            <a:endParaRPr lang="pt-BR" sz="3200" dirty="0"/>
           </a:p>
         </p:txBody>
       </p:sp>
@@ -9957,15 +9821,15 @@
               <a:buChar char="v"/>
             </a:pPr>
             <a:r>
-              <a:rPr lang="pt-BR" sz="3200" dirty="0" smtClean="0"/>
+              <a:rPr lang="pt-BR" sz="3200" dirty="0"/>
               <a:t> </a:t>
             </a:r>
             <a:r>
-              <a:rPr lang="pt-BR" sz="3200" dirty="0" err="1" smtClean="0"/>
+              <a:rPr lang="pt-BR" sz="3200" dirty="0" err="1"/>
               <a:t>Relationship</a:t>
             </a:r>
             <a:r>
-              <a:rPr lang="pt-BR" sz="3200" dirty="0" smtClean="0"/>
+              <a:rPr lang="pt-BR" sz="3200" dirty="0"/>
               <a:t>;</a:t>
             </a:r>
           </a:p>
@@ -9975,15 +9839,15 @@
               <a:buChar char="v"/>
             </a:pPr>
             <a:r>
-              <a:rPr lang="pt-BR" sz="3200" dirty="0" smtClean="0"/>
+              <a:rPr lang="pt-BR" sz="3200" dirty="0"/>
               <a:t> </a:t>
             </a:r>
             <a:r>
-              <a:rPr lang="pt-BR" sz="3200" dirty="0" err="1" smtClean="0"/>
+              <a:rPr lang="pt-BR" sz="3200" dirty="0" err="1"/>
               <a:t>Compositions</a:t>
             </a:r>
             <a:r>
-              <a:rPr lang="pt-BR" sz="3200" dirty="0" smtClean="0"/>
+              <a:rPr lang="pt-BR" sz="3200" dirty="0"/>
               <a:t>;</a:t>
             </a:r>
           </a:p>
@@ -9993,11 +9857,11 @@
               <a:buChar char="v"/>
             </a:pPr>
             <a:r>
-              <a:rPr lang="pt-BR" sz="3200" dirty="0" smtClean="0"/>
+              <a:rPr lang="pt-BR" sz="3200" dirty="0"/>
               <a:t> </a:t>
             </a:r>
             <a:r>
-              <a:rPr lang="pt-BR" sz="3200" dirty="0" err="1" smtClean="0"/>
+              <a:rPr lang="pt-BR" sz="3200" dirty="0" err="1"/>
               <a:t>Skills</a:t>
             </a:r>
             <a:endParaRPr lang="pt-BR" sz="3200" dirty="0"/>
@@ -10207,10 +10071,9 @@
           <a:p>
             <a:pPr algn="r"/>
             <a:r>
-              <a:rPr lang="pt-BR" i="1" dirty="0" smtClean="0"/>
+              <a:rPr lang="pt-BR" i="1" dirty="0"/>
               <a:t>1813 - 1901</a:t>
             </a:r>
-            <a:endParaRPr lang="pt-BR" i="1" dirty="0"/>
           </a:p>
         </p:txBody>
       </p:sp>
@@ -10254,13 +10117,6 @@
   <p:clrMapOvr>
     <a:masterClrMapping/>
   </p:clrMapOvr>
-  <p:timing>
-    <p:tnLst>
-      <p:par>
-        <p:cTn id="1" dur="indefinite" restart="never" nodeType="tmRoot"/>
-      </p:par>
-    </p:tnLst>
-  </p:timing>
 </p:sld>
 </file>
 
@@ -10402,10 +10258,9 @@
           <a:lstStyle/>
           <a:p>
             <a:r>
-              <a:rPr lang="pt-BR" sz="7200" dirty="0" smtClean="0"/>
+              <a:rPr lang="pt-BR" sz="7200" dirty="0"/>
               <a:t>Schubert</a:t>
             </a:r>
-            <a:endParaRPr lang="pt-BR" sz="7200" dirty="0"/>
           </a:p>
         </p:txBody>
       </p:sp>
@@ -10436,15 +10291,15 @@
               <a:buChar char="v"/>
             </a:pPr>
             <a:r>
-              <a:rPr lang="pt-BR" sz="3200" dirty="0" smtClean="0"/>
+              <a:rPr lang="pt-BR" sz="3200" dirty="0"/>
               <a:t> </a:t>
             </a:r>
             <a:r>
-              <a:rPr lang="pt-BR" sz="3200" dirty="0" err="1" smtClean="0"/>
+              <a:rPr lang="pt-BR" sz="3200" dirty="0" err="1"/>
               <a:t>Nationality</a:t>
             </a:r>
             <a:r>
-              <a:rPr lang="pt-BR" sz="3200" dirty="0" smtClean="0"/>
+              <a:rPr lang="pt-BR" sz="3200" dirty="0"/>
               <a:t>;</a:t>
             </a:r>
           </a:p>
@@ -10458,14 +10313,13 @@
               <a:t> </a:t>
             </a:r>
             <a:r>
-              <a:rPr lang="pt-BR" sz="3200" dirty="0" err="1" smtClean="0"/>
+              <a:rPr lang="pt-BR" sz="3200" dirty="0" err="1"/>
               <a:t>Infance</a:t>
             </a:r>
             <a:r>
-              <a:rPr lang="pt-BR" sz="3200" dirty="0" smtClean="0"/>
+              <a:rPr lang="pt-BR" sz="3200" dirty="0"/>
               <a:t>;</a:t>
             </a:r>
-            <a:endParaRPr lang="pt-BR" sz="3200" dirty="0"/>
           </a:p>
         </p:txBody>
       </p:sp>
@@ -10495,15 +10349,15 @@
               <a:buChar char="v"/>
             </a:pPr>
             <a:r>
-              <a:rPr lang="pt-BR" sz="3200" dirty="0" smtClean="0"/>
+              <a:rPr lang="pt-BR" sz="3200" dirty="0"/>
               <a:t> </a:t>
             </a:r>
             <a:r>
-              <a:rPr lang="pt-BR" sz="3200" dirty="0" err="1" smtClean="0"/>
+              <a:rPr lang="pt-BR" sz="3200" dirty="0" err="1"/>
               <a:t>Relationship</a:t>
             </a:r>
             <a:r>
-              <a:rPr lang="pt-BR" sz="3200" dirty="0" smtClean="0"/>
+              <a:rPr lang="pt-BR" sz="3200" dirty="0"/>
               <a:t>;</a:t>
             </a:r>
           </a:p>
@@ -10513,15 +10367,15 @@
               <a:buChar char="v"/>
             </a:pPr>
             <a:r>
-              <a:rPr lang="pt-BR" sz="3200" dirty="0" smtClean="0"/>
+              <a:rPr lang="pt-BR" sz="3200" dirty="0"/>
               <a:t> </a:t>
             </a:r>
             <a:r>
-              <a:rPr lang="pt-BR" sz="3200" dirty="0" err="1" smtClean="0"/>
+              <a:rPr lang="pt-BR" sz="3200" dirty="0" err="1"/>
               <a:t>Compositions</a:t>
             </a:r>
             <a:r>
-              <a:rPr lang="pt-BR" sz="3200" dirty="0" smtClean="0"/>
+              <a:rPr lang="pt-BR" sz="3200" dirty="0"/>
               <a:t>;</a:t>
             </a:r>
           </a:p>
@@ -10535,7 +10389,7 @@
               <a:t> </a:t>
             </a:r>
             <a:r>
-              <a:rPr lang="pt-BR" sz="3200" dirty="0" err="1" smtClean="0"/>
+              <a:rPr lang="pt-BR" sz="3200" dirty="0" err="1"/>
               <a:t>Skills</a:t>
             </a:r>
             <a:endParaRPr lang="pt-BR" sz="3200" dirty="0"/>
@@ -10745,10 +10599,9 @@
           <a:p>
             <a:pPr algn="r"/>
             <a:r>
-              <a:rPr lang="pt-BR" i="1" dirty="0" smtClean="0"/>
+              <a:rPr lang="pt-BR" i="1" dirty="0"/>
               <a:t>1897 - 1928</a:t>
             </a:r>
-            <a:endParaRPr lang="pt-BR" i="1" dirty="0"/>
           </a:p>
         </p:txBody>
       </p:sp>
@@ -10792,13 +10645,6 @@
   <p:clrMapOvr>
     <a:masterClrMapping/>
   </p:clrMapOvr>
-  <p:timing>
-    <p:tnLst>
-      <p:par>
-        <p:cTn id="1" dur="indefinite" restart="never" nodeType="tmRoot"/>
-      </p:par>
-    </p:tnLst>
-  </p:timing>
 </p:sld>
 </file>
 
@@ -10940,10 +10786,9 @@
           <a:lstStyle/>
           <a:p>
             <a:r>
-              <a:rPr lang="pt-BR" sz="7200" dirty="0" smtClean="0"/>
+              <a:rPr lang="pt-BR" sz="7200" dirty="0"/>
               <a:t>Wagner</a:t>
             </a:r>
-            <a:endParaRPr lang="pt-BR" sz="7200" dirty="0"/>
           </a:p>
         </p:txBody>
       </p:sp>
@@ -10974,15 +10819,15 @@
               <a:buChar char="v"/>
             </a:pPr>
             <a:r>
-              <a:rPr lang="pt-BR" sz="3200" dirty="0" smtClean="0"/>
+              <a:rPr lang="pt-BR" sz="3200" dirty="0"/>
               <a:t> </a:t>
             </a:r>
             <a:r>
-              <a:rPr lang="pt-BR" sz="3200" dirty="0" err="1" smtClean="0"/>
+              <a:rPr lang="pt-BR" sz="3200" dirty="0" err="1"/>
               <a:t>Nationality</a:t>
             </a:r>
             <a:r>
-              <a:rPr lang="pt-BR" sz="3200" dirty="0" smtClean="0"/>
+              <a:rPr lang="pt-BR" sz="3200" dirty="0"/>
               <a:t>;</a:t>
             </a:r>
           </a:p>
@@ -10996,14 +10841,13 @@
               <a:t> </a:t>
             </a:r>
             <a:r>
-              <a:rPr lang="pt-BR" sz="3200" dirty="0" err="1" smtClean="0"/>
+              <a:rPr lang="pt-BR" sz="3200" dirty="0" err="1"/>
               <a:t>Infance</a:t>
             </a:r>
             <a:r>
-              <a:rPr lang="pt-BR" sz="3200" dirty="0" smtClean="0"/>
+              <a:rPr lang="pt-BR" sz="3200" dirty="0"/>
               <a:t>;</a:t>
             </a:r>
-            <a:endParaRPr lang="pt-BR" sz="3200" dirty="0"/>
           </a:p>
         </p:txBody>
       </p:sp>
@@ -11033,15 +10877,15 @@
               <a:buChar char="v"/>
             </a:pPr>
             <a:r>
-              <a:rPr lang="pt-BR" sz="3200" dirty="0" smtClean="0"/>
+              <a:rPr lang="pt-BR" sz="3200" dirty="0"/>
               <a:t> </a:t>
             </a:r>
             <a:r>
-              <a:rPr lang="pt-BR" sz="3200" dirty="0" err="1" smtClean="0"/>
+              <a:rPr lang="pt-BR" sz="3200" dirty="0" err="1"/>
               <a:t>Relationship</a:t>
             </a:r>
             <a:r>
-              <a:rPr lang="pt-BR" sz="3200" dirty="0" smtClean="0"/>
+              <a:rPr lang="pt-BR" sz="3200" dirty="0"/>
               <a:t>;</a:t>
             </a:r>
           </a:p>
@@ -11051,15 +10895,15 @@
               <a:buChar char="v"/>
             </a:pPr>
             <a:r>
-              <a:rPr lang="pt-BR" sz="3200" dirty="0" smtClean="0"/>
+              <a:rPr lang="pt-BR" sz="3200" dirty="0"/>
               <a:t> </a:t>
             </a:r>
             <a:r>
-              <a:rPr lang="pt-BR" sz="3200" dirty="0" err="1" smtClean="0"/>
+              <a:rPr lang="pt-BR" sz="3200" dirty="0" err="1"/>
               <a:t>Compositions</a:t>
             </a:r>
             <a:r>
-              <a:rPr lang="pt-BR" sz="3200" dirty="0" smtClean="0"/>
+              <a:rPr lang="pt-BR" sz="3200" dirty="0"/>
               <a:t>;</a:t>
             </a:r>
           </a:p>
@@ -11073,7 +10917,7 @@
               <a:t> </a:t>
             </a:r>
             <a:r>
-              <a:rPr lang="pt-BR" sz="3200" dirty="0" err="1" smtClean="0"/>
+              <a:rPr lang="pt-BR" sz="3200" dirty="0" err="1"/>
               <a:t>Skills</a:t>
             </a:r>
             <a:endParaRPr lang="pt-BR" sz="3200" dirty="0"/>
@@ -11283,10 +11127,9 @@
           <a:p>
             <a:pPr algn="r"/>
             <a:r>
-              <a:rPr lang="pt-BR" i="1" dirty="0" smtClean="0"/>
+              <a:rPr lang="pt-BR" i="1" dirty="0"/>
               <a:t>1813 - 1883</a:t>
             </a:r>
-            <a:endParaRPr lang="pt-BR" i="1" dirty="0"/>
           </a:p>
         </p:txBody>
       </p:sp>
@@ -11330,13 +11173,6 @@
   <p:clrMapOvr>
     <a:masterClrMapping/>
   </p:clrMapOvr>
-  <p:timing>
-    <p:tnLst>
-      <p:par>
-        <p:cTn id="1" dur="indefinite" restart="never" nodeType="tmRoot"/>
-      </p:par>
-    </p:tnLst>
-  </p:timing>
 </p:sld>
 </file>
 
@@ -11478,10 +11314,9 @@
           <a:lstStyle/>
           <a:p>
             <a:r>
-              <a:rPr lang="pt-BR" sz="7200" dirty="0" smtClean="0"/>
+              <a:rPr lang="pt-BR" sz="7200" dirty="0"/>
               <a:t>Wagner</a:t>
             </a:r>
-            <a:endParaRPr lang="pt-BR" sz="7200" dirty="0"/>
           </a:p>
         </p:txBody>
       </p:sp>
@@ -11512,15 +11347,15 @@
               <a:buChar char="v"/>
             </a:pPr>
             <a:r>
-              <a:rPr lang="pt-BR" sz="3200" dirty="0" smtClean="0"/>
+              <a:rPr lang="pt-BR" sz="3200" dirty="0"/>
               <a:t> </a:t>
             </a:r>
             <a:r>
-              <a:rPr lang="pt-BR" sz="3200" dirty="0" err="1" smtClean="0"/>
+              <a:rPr lang="pt-BR" sz="3200" dirty="0" err="1"/>
               <a:t>Nationality</a:t>
             </a:r>
             <a:r>
-              <a:rPr lang="pt-BR" sz="3200" dirty="0" smtClean="0"/>
+              <a:rPr lang="pt-BR" sz="3200" dirty="0"/>
               <a:t>;</a:t>
             </a:r>
           </a:p>
@@ -11534,14 +11369,13 @@
               <a:t> </a:t>
             </a:r>
             <a:r>
-              <a:rPr lang="pt-BR" sz="3200" dirty="0" err="1" smtClean="0"/>
+              <a:rPr lang="pt-BR" sz="3200" dirty="0" err="1"/>
               <a:t>Infance</a:t>
             </a:r>
             <a:r>
-              <a:rPr lang="pt-BR" sz="3200" dirty="0" smtClean="0"/>
+              <a:rPr lang="pt-BR" sz="3200" dirty="0"/>
               <a:t>;</a:t>
             </a:r>
-            <a:endParaRPr lang="pt-BR" sz="3200" dirty="0"/>
           </a:p>
         </p:txBody>
       </p:sp>
@@ -11571,15 +11405,15 @@
               <a:buChar char="v"/>
             </a:pPr>
             <a:r>
-              <a:rPr lang="pt-BR" sz="3200" dirty="0" smtClean="0"/>
+              <a:rPr lang="pt-BR" sz="3200" dirty="0"/>
               <a:t> </a:t>
             </a:r>
             <a:r>
-              <a:rPr lang="pt-BR" sz="3200" dirty="0" err="1" smtClean="0"/>
+              <a:rPr lang="pt-BR" sz="3200" dirty="0" err="1"/>
               <a:t>Relationship</a:t>
             </a:r>
             <a:r>
-              <a:rPr lang="pt-BR" sz="3200" dirty="0" smtClean="0"/>
+              <a:rPr lang="pt-BR" sz="3200" dirty="0"/>
               <a:t>;</a:t>
             </a:r>
           </a:p>
@@ -11589,15 +11423,15 @@
               <a:buChar char="v"/>
             </a:pPr>
             <a:r>
-              <a:rPr lang="pt-BR" sz="3200" dirty="0" smtClean="0"/>
+              <a:rPr lang="pt-BR" sz="3200" dirty="0"/>
               <a:t> </a:t>
             </a:r>
             <a:r>
-              <a:rPr lang="pt-BR" sz="3200" dirty="0" err="1" smtClean="0"/>
+              <a:rPr lang="pt-BR" sz="3200" dirty="0" err="1"/>
               <a:t>Compositions</a:t>
             </a:r>
             <a:r>
-              <a:rPr lang="pt-BR" sz="3200" dirty="0" smtClean="0"/>
+              <a:rPr lang="pt-BR" sz="3200" dirty="0"/>
               <a:t>;</a:t>
             </a:r>
           </a:p>
@@ -11611,7 +11445,7 @@
               <a:t> </a:t>
             </a:r>
             <a:r>
-              <a:rPr lang="pt-BR" sz="3200" dirty="0" err="1" smtClean="0"/>
+              <a:rPr lang="pt-BR" sz="3200" dirty="0" err="1"/>
               <a:t>Skills</a:t>
             </a:r>
             <a:endParaRPr lang="pt-BR" sz="3200" dirty="0"/>
@@ -11821,10 +11655,9 @@
           <a:p>
             <a:pPr algn="r"/>
             <a:r>
-              <a:rPr lang="pt-BR" i="1" dirty="0" smtClean="0"/>
+              <a:rPr lang="pt-BR" i="1" dirty="0"/>
               <a:t>1813 - 1883</a:t>
             </a:r>
-            <a:endParaRPr lang="pt-BR" i="1" dirty="0"/>
           </a:p>
         </p:txBody>
       </p:sp>
@@ -11868,13 +11701,6 @@
   <p:clrMapOvr>
     <a:masterClrMapping/>
   </p:clrMapOvr>
-  <p:timing>
-    <p:tnLst>
-      <p:par>
-        <p:cTn id="1" dur="indefinite" restart="never" nodeType="tmRoot"/>
-      </p:par>
-    </p:tnLst>
-  </p:timing>
 </p:sld>
 </file>
 
@@ -11918,7 +11744,7 @@
           <a:lstStyle/>
           <a:p>
             <a:r>
-              <a:rPr lang="pt-BR" sz="8000" dirty="0" err="1" smtClean="0"/>
+              <a:rPr lang="pt-BR" sz="8000" dirty="0" err="1"/>
               <a:t>Modernism</a:t>
             </a:r>
             <a:endParaRPr lang="pt-BR" sz="8000" dirty="0"/>
@@ -11948,85 +11774,57 @@
           <a:lstStyle/>
           <a:p>
             <a:r>
-              <a:rPr lang="en-AU" sz="2400" b="1" dirty="0" smtClean="0"/>
-              <a:t> From </a:t>
-            </a:r>
-            <a:r>
               <a:rPr lang="en-AU" sz="2400" b="1" dirty="0"/>
-              <a:t>the </a:t>
-            </a:r>
-            <a:r>
-              <a:rPr lang="en-AU" sz="2400" b="1" dirty="0" smtClean="0"/>
-              <a:t>19</a:t>
-            </a:r>
-            <a:r>
-              <a:rPr lang="en-AU" sz="2400" b="1" baseline="30000" dirty="0" smtClean="0"/>
+              <a:t> From the 19</a:t>
+            </a:r>
+            <a:r>
+              <a:rPr lang="en-AU" sz="2400" b="1" baseline="30000" dirty="0"/>
               <a:t>th</a:t>
             </a:r>
             <a:r>
-              <a:rPr lang="en-AU" sz="2400" b="1" dirty="0" smtClean="0"/>
-              <a:t> </a:t>
-            </a:r>
-            <a:r>
               <a:rPr lang="en-AU" sz="2400" b="1" dirty="0"/>
-              <a:t>century to </a:t>
-            </a:r>
-            <a:r>
-              <a:rPr lang="en-AU" sz="2400" b="1" dirty="0" smtClean="0"/>
-              <a:t>20</a:t>
-            </a:r>
-            <a:r>
-              <a:rPr lang="en-AU" sz="2400" b="1" baseline="30000" dirty="0" smtClean="0"/>
+              <a:t> century to 20</a:t>
+            </a:r>
+            <a:r>
+              <a:rPr lang="en-AU" sz="2400" b="1" baseline="30000" dirty="0"/>
               <a:t>th</a:t>
             </a:r>
             <a:r>
-              <a:rPr lang="en-AU" sz="2400" b="1" dirty="0" smtClean="0"/>
-              <a:t> </a:t>
-            </a:r>
-            <a:r>
               <a:rPr lang="en-AU" sz="2400" b="1" dirty="0"/>
-              <a:t>century in </a:t>
-            </a:r>
-            <a:r>
-              <a:rPr lang="en-AU" sz="2400" b="1" dirty="0" smtClean="0"/>
-              <a:t>Europe;</a:t>
+              <a:t> century in Europe;</a:t>
             </a:r>
           </a:p>
           <a:p>
             <a:r>
               <a:rPr lang="en-AU" sz="2400" b="1" dirty="0"/>
-              <a:t> </a:t>
-            </a:r>
-            <a:r>
-              <a:rPr lang="en-AU" sz="2400" b="1" dirty="0" smtClean="0"/>
-              <a:t>Conjunct of cultural </a:t>
-            </a:r>
-            <a:r>
-              <a:rPr lang="en-AU" sz="2400" b="1" dirty="0" err="1" smtClean="0"/>
+              <a:t> Conjunct of cultural </a:t>
+            </a:r>
+            <a:r>
+              <a:rPr lang="en-AU" sz="2400" b="1" dirty="0" err="1"/>
               <a:t>movememt</a:t>
             </a:r>
             <a:r>
-              <a:rPr lang="en-AU" sz="2400" b="1" dirty="0" smtClean="0"/>
+              <a:rPr lang="en-AU" sz="2400" b="1" dirty="0"/>
               <a:t>;</a:t>
             </a:r>
           </a:p>
           <a:p>
             <a:r>
-              <a:rPr lang="en-AU" sz="2400" b="1" dirty="0" smtClean="0"/>
+              <a:rPr lang="en-AU" sz="2400" b="1" dirty="0"/>
               <a:t> Definition;</a:t>
             </a:r>
           </a:p>
           <a:p>
             <a:r>
-              <a:rPr lang="en-AU" sz="2400" b="1" dirty="0" smtClean="0"/>
+              <a:rPr lang="en-AU" sz="2400" b="1" dirty="0"/>
               <a:t> Reality versus </a:t>
             </a:r>
             <a:r>
-              <a:rPr lang="en-AU" sz="2400" b="1" u="sng" dirty="0" smtClean="0"/>
+              <a:rPr lang="en-AU" sz="2400" b="1" u="sng" dirty="0"/>
               <a:t>Subjective</a:t>
             </a:r>
             <a:r>
-              <a:rPr lang="en-AU" sz="2400" b="1" dirty="0" smtClean="0"/>
+              <a:rPr lang="en-AU" sz="2400" b="1" dirty="0"/>
               <a:t>;</a:t>
             </a:r>
           </a:p>
@@ -12041,35 +11839,35 @@
               <a:t> </a:t>
             </a:r>
             <a:r>
-              <a:rPr lang="pt-BR" sz="2400" b="1" dirty="0" err="1" smtClean="0"/>
+              <a:rPr lang="pt-BR" sz="2400" b="1" dirty="0" err="1"/>
               <a:t>Initialy</a:t>
             </a:r>
             <a:r>
-              <a:rPr lang="pt-BR" sz="2400" b="1" dirty="0" smtClean="0"/>
+              <a:rPr lang="pt-BR" sz="2400" b="1" dirty="0"/>
               <a:t>, in </a:t>
             </a:r>
             <a:r>
-              <a:rPr lang="pt-BR" sz="2400" b="1" dirty="0" err="1" smtClean="0"/>
+              <a:rPr lang="pt-BR" sz="2400" b="1" dirty="0" err="1"/>
               <a:t>Brazil</a:t>
             </a:r>
             <a:r>
-              <a:rPr lang="pt-BR" sz="2400" b="1" dirty="0" smtClean="0"/>
+              <a:rPr lang="pt-BR" sz="2400" b="1" dirty="0"/>
               <a:t> </a:t>
             </a:r>
             <a:r>
-              <a:rPr lang="pt-BR" sz="2400" b="1" dirty="0" err="1" smtClean="0"/>
+              <a:rPr lang="pt-BR" sz="2400" b="1" dirty="0" err="1"/>
               <a:t>this</a:t>
             </a:r>
             <a:r>
-              <a:rPr lang="pt-BR" sz="2400" b="1" dirty="0" smtClean="0"/>
+              <a:rPr lang="pt-BR" sz="2400" b="1" dirty="0"/>
               <a:t> </a:t>
             </a:r>
             <a:r>
-              <a:rPr lang="pt-BR" sz="2400" b="1" dirty="0" err="1" smtClean="0"/>
+              <a:rPr lang="pt-BR" sz="2400" b="1" dirty="0" err="1"/>
               <a:t>movement</a:t>
             </a:r>
             <a:r>
-              <a:rPr lang="pt-BR" sz="2400" b="1" dirty="0" smtClean="0"/>
+              <a:rPr lang="pt-BR" sz="2400" b="1" dirty="0"/>
               <a:t> </a:t>
             </a:r>
           </a:p>
@@ -12081,27 +11879,27 @@
               <a:buNone/>
             </a:pPr>
             <a:r>
-              <a:rPr lang="pt-BR" sz="2400" b="1" dirty="0" err="1" smtClean="0"/>
+              <a:rPr lang="pt-BR" sz="2400" b="1" dirty="0" err="1"/>
               <a:t>was</a:t>
             </a:r>
             <a:r>
-              <a:rPr lang="pt-BR" sz="2400" b="1" dirty="0" smtClean="0"/>
+              <a:rPr lang="pt-BR" sz="2400" b="1" dirty="0"/>
               <a:t> </a:t>
             </a:r>
             <a:r>
-              <a:rPr lang="pt-BR" sz="2400" b="1" dirty="0" err="1" smtClean="0"/>
+              <a:rPr lang="pt-BR" sz="2400" b="1" dirty="0" err="1"/>
               <a:t>not</a:t>
             </a:r>
             <a:r>
-              <a:rPr lang="pt-BR" sz="2400" b="1" dirty="0" smtClean="0"/>
+              <a:rPr lang="pt-BR" sz="2400" b="1" dirty="0"/>
               <a:t> </a:t>
             </a:r>
             <a:r>
-              <a:rPr lang="pt-BR" sz="2400" b="1" dirty="0" err="1" smtClean="0"/>
+              <a:rPr lang="pt-BR" sz="2400" b="1" dirty="0" err="1"/>
               <a:t>accepted</a:t>
             </a:r>
             <a:r>
-              <a:rPr lang="pt-BR" sz="2400" b="1" dirty="0" smtClean="0"/>
+              <a:rPr lang="pt-BR" sz="2400" b="1" dirty="0"/>
               <a:t>;</a:t>
             </a:r>
             <a:endParaRPr lang="pt-BR" sz="2200" b="1" dirty="0"/>
@@ -12135,15 +11933,15 @@
               <a:buChar char="Ø"/>
             </a:pPr>
             <a:r>
-              <a:rPr lang="pt-BR" sz="2400" dirty="0" smtClean="0"/>
+              <a:rPr lang="pt-BR" sz="2400" dirty="0"/>
               <a:t> </a:t>
             </a:r>
             <a:r>
-              <a:rPr lang="pt-BR" sz="2400" dirty="0" err="1" smtClean="0"/>
+              <a:rPr lang="pt-BR" sz="2400" dirty="0" err="1"/>
               <a:t>Futurism</a:t>
             </a:r>
             <a:r>
-              <a:rPr lang="pt-BR" sz="2400" dirty="0" smtClean="0"/>
+              <a:rPr lang="pt-BR" sz="2400" dirty="0"/>
               <a:t>;</a:t>
             </a:r>
           </a:p>
@@ -12153,15 +11951,15 @@
               <a:buChar char="Ø"/>
             </a:pPr>
             <a:r>
-              <a:rPr lang="pt-BR" sz="2400" dirty="0" smtClean="0"/>
+              <a:rPr lang="pt-BR" sz="2400" dirty="0"/>
               <a:t> </a:t>
             </a:r>
             <a:r>
-              <a:rPr lang="pt-BR" sz="2400" dirty="0" err="1" smtClean="0"/>
+              <a:rPr lang="pt-BR" sz="2400" dirty="0" err="1"/>
               <a:t>Dadaism</a:t>
             </a:r>
             <a:r>
-              <a:rPr lang="pt-BR" sz="2400" dirty="0" smtClean="0"/>
+              <a:rPr lang="pt-BR" sz="2400" dirty="0"/>
               <a:t>;</a:t>
             </a:r>
           </a:p>
@@ -12175,11 +11973,11 @@
               <a:t> </a:t>
             </a:r>
             <a:r>
-              <a:rPr lang="pt-BR" sz="2400" dirty="0" err="1" smtClean="0"/>
+              <a:rPr lang="pt-BR" sz="2400" dirty="0" err="1"/>
               <a:t>Cubism</a:t>
             </a:r>
             <a:r>
-              <a:rPr lang="pt-BR" sz="2400" dirty="0" smtClean="0"/>
+              <a:rPr lang="pt-BR" sz="2400" dirty="0"/>
               <a:t>;</a:t>
             </a:r>
           </a:p>
@@ -12193,11 +11991,11 @@
               <a:t> </a:t>
             </a:r>
             <a:r>
-              <a:rPr lang="pt-BR" sz="2400" dirty="0" err="1" smtClean="0"/>
+              <a:rPr lang="pt-BR" sz="2400" dirty="0" err="1"/>
               <a:t>Surrealism</a:t>
             </a:r>
             <a:r>
-              <a:rPr lang="pt-BR" sz="2400" dirty="0" smtClean="0"/>
+              <a:rPr lang="pt-BR" sz="2400" dirty="0"/>
               <a:t>;</a:t>
             </a:r>
             <a:endParaRPr lang="en-AU" sz="2400" dirty="0"/>
@@ -12214,13 +12012,6 @@
   <p:clrMapOvr>
     <a:masterClrMapping/>
   </p:clrMapOvr>
-  <p:timing>
-    <p:tnLst>
-      <p:par>
-        <p:cTn id="1" dur="indefinite" restart="never" nodeType="tmRoot"/>
-      </p:par>
-    </p:tnLst>
-  </p:timing>
 </p:sld>
 </file>
 
@@ -12362,10 +12153,9 @@
           <a:lstStyle/>
           <a:p>
             <a:r>
-              <a:rPr lang="pt-BR" sz="7200" dirty="0" smtClean="0"/>
+              <a:rPr lang="pt-BR" sz="7200" dirty="0"/>
               <a:t>Debussy</a:t>
             </a:r>
-            <a:endParaRPr lang="pt-BR" sz="7200" dirty="0"/>
           </a:p>
         </p:txBody>
       </p:sp>
@@ -12396,15 +12186,15 @@
               <a:buChar char="v"/>
             </a:pPr>
             <a:r>
-              <a:rPr lang="pt-BR" sz="3200" dirty="0" smtClean="0"/>
+              <a:rPr lang="pt-BR" sz="3200" dirty="0"/>
               <a:t> </a:t>
             </a:r>
             <a:r>
-              <a:rPr lang="pt-BR" sz="3200" dirty="0" err="1" smtClean="0"/>
+              <a:rPr lang="pt-BR" sz="3200" dirty="0" err="1"/>
               <a:t>Nationality</a:t>
             </a:r>
             <a:r>
-              <a:rPr lang="pt-BR" sz="3200" dirty="0" smtClean="0"/>
+              <a:rPr lang="pt-BR" sz="3200" dirty="0"/>
               <a:t>;</a:t>
             </a:r>
           </a:p>
@@ -12418,14 +12208,13 @@
               <a:t> </a:t>
             </a:r>
             <a:r>
-              <a:rPr lang="pt-BR" sz="3200" dirty="0" err="1" smtClean="0"/>
+              <a:rPr lang="pt-BR" sz="3200" dirty="0" err="1"/>
               <a:t>Infance</a:t>
             </a:r>
             <a:r>
-              <a:rPr lang="pt-BR" sz="3200" dirty="0" smtClean="0"/>
+              <a:rPr lang="pt-BR" sz="3200" dirty="0"/>
               <a:t>;</a:t>
             </a:r>
-            <a:endParaRPr lang="pt-BR" sz="3200" dirty="0"/>
           </a:p>
         </p:txBody>
       </p:sp>
@@ -12455,15 +12244,15 @@
               <a:buChar char="v"/>
             </a:pPr>
             <a:r>
-              <a:rPr lang="pt-BR" sz="3200" dirty="0" smtClean="0"/>
+              <a:rPr lang="pt-BR" sz="3200" dirty="0"/>
               <a:t> </a:t>
             </a:r>
             <a:r>
-              <a:rPr lang="pt-BR" sz="3200" dirty="0" err="1" smtClean="0"/>
+              <a:rPr lang="pt-BR" sz="3200" dirty="0" err="1"/>
               <a:t>Relationship</a:t>
             </a:r>
             <a:r>
-              <a:rPr lang="pt-BR" sz="3200" dirty="0" smtClean="0"/>
+              <a:rPr lang="pt-BR" sz="3200" dirty="0"/>
               <a:t>;</a:t>
             </a:r>
           </a:p>
@@ -12473,15 +12262,15 @@
               <a:buChar char="v"/>
             </a:pPr>
             <a:r>
-              <a:rPr lang="pt-BR" sz="3200" dirty="0" smtClean="0"/>
+              <a:rPr lang="pt-BR" sz="3200" dirty="0"/>
               <a:t> </a:t>
             </a:r>
             <a:r>
-              <a:rPr lang="pt-BR" sz="3200" dirty="0" err="1" smtClean="0"/>
+              <a:rPr lang="pt-BR" sz="3200" dirty="0" err="1"/>
               <a:t>Compositions</a:t>
             </a:r>
             <a:r>
-              <a:rPr lang="pt-BR" sz="3200" dirty="0" smtClean="0"/>
+              <a:rPr lang="pt-BR" sz="3200" dirty="0"/>
               <a:t>;</a:t>
             </a:r>
           </a:p>
@@ -12495,7 +12284,7 @@
               <a:t> </a:t>
             </a:r>
             <a:r>
-              <a:rPr lang="pt-BR" sz="3200" dirty="0" err="1" smtClean="0"/>
+              <a:rPr lang="pt-BR" sz="3200" dirty="0" err="1"/>
               <a:t>Skills</a:t>
             </a:r>
             <a:endParaRPr lang="pt-BR" sz="3200" dirty="0"/>
@@ -12705,10 +12494,9 @@
           <a:p>
             <a:pPr algn="r"/>
             <a:r>
-              <a:rPr lang="pt-BR" i="1" dirty="0" smtClean="0"/>
+              <a:rPr lang="pt-BR" i="1" dirty="0"/>
               <a:t>1862 - 1918</a:t>
             </a:r>
-            <a:endParaRPr lang="pt-BR" i="1" dirty="0"/>
           </a:p>
         </p:txBody>
       </p:sp>
@@ -12752,13 +12540,6 @@
   <p:clrMapOvr>
     <a:masterClrMapping/>
   </p:clrMapOvr>
-  <p:timing>
-    <p:tnLst>
-      <p:par>
-        <p:cTn id="1" dur="indefinite" restart="never" nodeType="tmRoot"/>
-      </p:par>
-    </p:tnLst>
-  </p:timing>
 </p:sld>
 </file>
 
@@ -12900,7 +12681,7 @@
           <a:lstStyle/>
           <a:p>
             <a:r>
-              <a:rPr lang="pt-BR" sz="7200" dirty="0" err="1" smtClean="0"/>
+              <a:rPr lang="pt-BR" sz="7200" dirty="0" err="1"/>
               <a:t>ravel</a:t>
             </a:r>
             <a:endParaRPr lang="pt-BR" sz="7200" dirty="0"/>
@@ -12934,15 +12715,15 @@
               <a:buChar char="v"/>
             </a:pPr>
             <a:r>
-              <a:rPr lang="pt-BR" sz="3200" dirty="0" smtClean="0"/>
+              <a:rPr lang="pt-BR" sz="3200" dirty="0"/>
               <a:t> </a:t>
             </a:r>
             <a:r>
-              <a:rPr lang="pt-BR" sz="3200" dirty="0" err="1" smtClean="0"/>
+              <a:rPr lang="pt-BR" sz="3200" dirty="0" err="1"/>
               <a:t>Nationality</a:t>
             </a:r>
             <a:r>
-              <a:rPr lang="pt-BR" sz="3200" dirty="0" smtClean="0"/>
+              <a:rPr lang="pt-BR" sz="3200" dirty="0"/>
               <a:t>;</a:t>
             </a:r>
           </a:p>
@@ -12956,14 +12737,13 @@
               <a:t> </a:t>
             </a:r>
             <a:r>
-              <a:rPr lang="pt-BR" sz="3200" dirty="0" err="1" smtClean="0"/>
+              <a:rPr lang="pt-BR" sz="3200" dirty="0" err="1"/>
               <a:t>Infance</a:t>
             </a:r>
             <a:r>
-              <a:rPr lang="pt-BR" sz="3200" dirty="0" smtClean="0"/>
+              <a:rPr lang="pt-BR" sz="3200" dirty="0"/>
               <a:t>;</a:t>
             </a:r>
-            <a:endParaRPr lang="pt-BR" sz="3200" dirty="0"/>
           </a:p>
         </p:txBody>
       </p:sp>
@@ -12993,15 +12773,15 @@
               <a:buChar char="v"/>
             </a:pPr>
             <a:r>
-              <a:rPr lang="pt-BR" sz="3200" dirty="0" smtClean="0"/>
+              <a:rPr lang="pt-BR" sz="3200" dirty="0"/>
               <a:t> </a:t>
             </a:r>
             <a:r>
-              <a:rPr lang="pt-BR" sz="3200" dirty="0" err="1" smtClean="0"/>
+              <a:rPr lang="pt-BR" sz="3200" dirty="0" err="1"/>
               <a:t>Relationship</a:t>
             </a:r>
             <a:r>
-              <a:rPr lang="pt-BR" sz="3200" dirty="0" smtClean="0"/>
+              <a:rPr lang="pt-BR" sz="3200" dirty="0"/>
               <a:t>;</a:t>
             </a:r>
           </a:p>
@@ -13011,15 +12791,15 @@
               <a:buChar char="v"/>
             </a:pPr>
             <a:r>
-              <a:rPr lang="pt-BR" sz="3200" dirty="0" smtClean="0"/>
+              <a:rPr lang="pt-BR" sz="3200" dirty="0"/>
               <a:t> </a:t>
             </a:r>
             <a:r>
-              <a:rPr lang="pt-BR" sz="3200" dirty="0" err="1" smtClean="0"/>
+              <a:rPr lang="pt-BR" sz="3200" dirty="0" err="1"/>
               <a:t>Compositions</a:t>
             </a:r>
             <a:r>
-              <a:rPr lang="pt-BR" sz="3200" dirty="0" smtClean="0"/>
+              <a:rPr lang="pt-BR" sz="3200" dirty="0"/>
               <a:t>;</a:t>
             </a:r>
           </a:p>
@@ -13033,7 +12813,7 @@
               <a:t> </a:t>
             </a:r>
             <a:r>
-              <a:rPr lang="pt-BR" sz="3200" dirty="0" err="1" smtClean="0"/>
+              <a:rPr lang="pt-BR" sz="3200" dirty="0" err="1"/>
               <a:t>Skills</a:t>
             </a:r>
             <a:endParaRPr lang="pt-BR" sz="3200" dirty="0"/>
@@ -13243,10 +13023,9 @@
           <a:p>
             <a:pPr algn="r"/>
             <a:r>
-              <a:rPr lang="pt-BR" i="1" dirty="0" smtClean="0"/>
+              <a:rPr lang="pt-BR" i="1" dirty="0"/>
               <a:t>1875 - 1937</a:t>
             </a:r>
-            <a:endParaRPr lang="pt-BR" i="1" dirty="0"/>
           </a:p>
         </p:txBody>
       </p:sp>
@@ -13368,13 +13147,6 @@
   <p:clrMapOvr>
     <a:masterClrMapping/>
   </p:clrMapOvr>
-  <p:timing>
-    <p:tnLst>
-      <p:par>
-        <p:cTn id="1" dur="indefinite" restart="never" nodeType="tmRoot"/>
-      </p:par>
-    </p:tnLst>
-  </p:timing>
 </p:sld>
 </file>
 
@@ -13418,15 +13190,15 @@
           <a:lstStyle/>
           <a:p>
             <a:r>
-              <a:rPr lang="pt-BR" sz="4800" b="1" dirty="0" err="1" smtClean="0"/>
+              <a:rPr lang="pt-BR" sz="4800" b="1" dirty="0" err="1"/>
               <a:t>Gregorian</a:t>
             </a:r>
             <a:r>
-              <a:rPr lang="pt-BR" sz="4400" b="1" dirty="0" smtClean="0"/>
+              <a:rPr lang="pt-BR" sz="4400" b="1" dirty="0"/>
               <a:t> </a:t>
             </a:r>
             <a:r>
-              <a:rPr lang="pt-BR" sz="4400" b="1" dirty="0" err="1" smtClean="0"/>
+              <a:rPr lang="pt-BR" sz="4400" b="1" dirty="0" err="1"/>
               <a:t>chant</a:t>
             </a:r>
             <a:endParaRPr lang="en-AU" sz="4400" b="1" dirty="0"/>
@@ -13456,53 +13228,53 @@
           <a:lstStyle/>
           <a:p>
             <a:r>
-              <a:rPr lang="pt-BR" sz="2400" dirty="0" err="1" smtClean="0"/>
+              <a:rPr lang="pt-BR" sz="2400" dirty="0" err="1"/>
               <a:t>Monophonic</a:t>
             </a:r>
             <a:r>
-              <a:rPr lang="pt-BR" sz="2400" dirty="0" smtClean="0"/>
+              <a:rPr lang="pt-BR" sz="2400" dirty="0"/>
               <a:t>;</a:t>
             </a:r>
           </a:p>
           <a:p>
             <a:r>
-              <a:rPr lang="pt-BR" sz="2400" dirty="0" smtClean="0"/>
+              <a:rPr lang="pt-BR" sz="2400" dirty="0"/>
               <a:t>Sacra Music;</a:t>
             </a:r>
           </a:p>
           <a:p>
             <a:r>
-              <a:rPr lang="pt-BR" sz="2400" dirty="0" err="1" smtClean="0"/>
+              <a:rPr lang="pt-BR" sz="2400" dirty="0" err="1"/>
               <a:t>Praise</a:t>
             </a:r>
             <a:r>
-              <a:rPr lang="pt-BR" sz="2400" dirty="0" smtClean="0"/>
+              <a:rPr lang="pt-BR" sz="2400" dirty="0"/>
               <a:t> </a:t>
             </a:r>
             <a:r>
-              <a:rPr lang="pt-BR" sz="2400" dirty="0" err="1" smtClean="0"/>
+              <a:rPr lang="pt-BR" sz="2400" dirty="0" err="1"/>
               <a:t>of</a:t>
             </a:r>
             <a:r>
-              <a:rPr lang="pt-BR" sz="2400" dirty="0" smtClean="0"/>
+              <a:rPr lang="pt-BR" sz="2400" dirty="0"/>
               <a:t> </a:t>
             </a:r>
             <a:r>
-              <a:rPr lang="pt-BR" sz="2400" dirty="0" err="1" smtClean="0"/>
+              <a:rPr lang="pt-BR" sz="2400" dirty="0" err="1"/>
               <a:t>God</a:t>
             </a:r>
             <a:r>
-              <a:rPr lang="pt-BR" sz="2400" dirty="0" smtClean="0"/>
+              <a:rPr lang="pt-BR" sz="2400" dirty="0"/>
               <a:t> ;</a:t>
             </a:r>
           </a:p>
           <a:p>
             <a:r>
-              <a:rPr lang="pt-BR" sz="2400" dirty="0" err="1" smtClean="0"/>
+              <a:rPr lang="pt-BR" sz="2400" dirty="0" err="1"/>
               <a:t>Gregorio</a:t>
             </a:r>
             <a:r>
-              <a:rPr lang="pt-BR" sz="2400" dirty="0" smtClean="0"/>
+              <a:rPr lang="pt-BR" sz="2400" dirty="0"/>
               <a:t> Magno;</a:t>
             </a:r>
             <a:endParaRPr lang="en-AU" sz="2400" dirty="0"/>
@@ -13566,35 +13338,35 @@
               <a:buChar char="v"/>
             </a:pPr>
             <a:r>
-              <a:rPr lang="pt-BR" sz="2400" dirty="0" smtClean="0"/>
+              <a:rPr lang="pt-BR" sz="2400" dirty="0"/>
               <a:t> </a:t>
             </a:r>
             <a:r>
-              <a:rPr lang="pt-BR" sz="2400" dirty="0" err="1" smtClean="0"/>
+              <a:rPr lang="pt-BR" sz="2400" dirty="0" err="1"/>
               <a:t>Systematization</a:t>
             </a:r>
             <a:r>
-              <a:rPr lang="pt-BR" sz="2400" dirty="0" smtClean="0"/>
+              <a:rPr lang="pt-BR" sz="2400" dirty="0"/>
               <a:t>, </a:t>
             </a:r>
             <a:r>
-              <a:rPr lang="pt-BR" sz="2400" dirty="0" err="1" smtClean="0"/>
+              <a:rPr lang="pt-BR" sz="2400" dirty="0" err="1"/>
               <a:t>unification</a:t>
             </a:r>
             <a:r>
-              <a:rPr lang="pt-BR" sz="2400" dirty="0" smtClean="0"/>
+              <a:rPr lang="pt-BR" sz="2400" dirty="0"/>
               <a:t> </a:t>
             </a:r>
             <a:r>
-              <a:rPr lang="pt-BR" sz="2400" dirty="0" err="1" smtClean="0"/>
+              <a:rPr lang="pt-BR" sz="2400" dirty="0" err="1"/>
               <a:t>and</a:t>
             </a:r>
             <a:r>
-              <a:rPr lang="pt-BR" sz="2400" dirty="0" smtClean="0"/>
+              <a:rPr lang="pt-BR" sz="2400" dirty="0"/>
               <a:t> </a:t>
             </a:r>
             <a:r>
-              <a:rPr lang="pt-BR" sz="2400" dirty="0" err="1" smtClean="0"/>
+              <a:rPr lang="pt-BR" sz="2400" dirty="0" err="1"/>
               <a:t>popularization</a:t>
             </a:r>
             <a:r>
@@ -13615,13 +13387,6 @@
   <p:clrMapOvr>
     <a:masterClrMapping/>
   </p:clrMapOvr>
-  <p:timing>
-    <p:tnLst>
-      <p:par>
-        <p:cTn id="1" dur="indefinite" restart="never" nodeType="tmRoot"/>
-      </p:par>
-    </p:tnLst>
-  </p:timing>
 </p:sld>
 </file>
 
@@ -13800,15 +13565,15 @@
               <a:buChar char="v"/>
             </a:pPr>
             <a:r>
-              <a:rPr lang="pt-BR" sz="3200" dirty="0" smtClean="0"/>
+              <a:rPr lang="pt-BR" sz="3200" dirty="0"/>
               <a:t> </a:t>
             </a:r>
             <a:r>
-              <a:rPr lang="pt-BR" sz="3200" dirty="0" err="1" smtClean="0"/>
+              <a:rPr lang="pt-BR" sz="3200" dirty="0" err="1"/>
               <a:t>Nationality</a:t>
             </a:r>
             <a:r>
-              <a:rPr lang="pt-BR" sz="3200" dirty="0" smtClean="0"/>
+              <a:rPr lang="pt-BR" sz="3200" dirty="0"/>
               <a:t>;</a:t>
             </a:r>
           </a:p>
@@ -13822,14 +13587,13 @@
               <a:t> </a:t>
             </a:r>
             <a:r>
-              <a:rPr lang="pt-BR" sz="3200" dirty="0" err="1" smtClean="0"/>
+              <a:rPr lang="pt-BR" sz="3200" dirty="0" err="1"/>
               <a:t>Infance</a:t>
             </a:r>
             <a:r>
-              <a:rPr lang="pt-BR" sz="3200" dirty="0" smtClean="0"/>
+              <a:rPr lang="pt-BR" sz="3200" dirty="0"/>
               <a:t>;</a:t>
             </a:r>
-            <a:endParaRPr lang="pt-BR" sz="3200" dirty="0"/>
           </a:p>
         </p:txBody>
       </p:sp>
@@ -13859,15 +13623,15 @@
               <a:buChar char="v"/>
             </a:pPr>
             <a:r>
-              <a:rPr lang="pt-BR" sz="3200" dirty="0" smtClean="0"/>
+              <a:rPr lang="pt-BR" sz="3200" dirty="0"/>
               <a:t> </a:t>
             </a:r>
             <a:r>
-              <a:rPr lang="pt-BR" sz="3200" dirty="0" err="1" smtClean="0"/>
+              <a:rPr lang="pt-BR" sz="3200" dirty="0" err="1"/>
               <a:t>Relationship</a:t>
             </a:r>
             <a:r>
-              <a:rPr lang="pt-BR" sz="3200" dirty="0" smtClean="0"/>
+              <a:rPr lang="pt-BR" sz="3200" dirty="0"/>
               <a:t>;</a:t>
             </a:r>
           </a:p>
@@ -13877,15 +13641,15 @@
               <a:buChar char="v"/>
             </a:pPr>
             <a:r>
-              <a:rPr lang="pt-BR" sz="3200" dirty="0" smtClean="0"/>
+              <a:rPr lang="pt-BR" sz="3200" dirty="0"/>
               <a:t> </a:t>
             </a:r>
             <a:r>
-              <a:rPr lang="pt-BR" sz="3200" dirty="0" err="1" smtClean="0"/>
+              <a:rPr lang="pt-BR" sz="3200" dirty="0" err="1"/>
               <a:t>Compositions</a:t>
             </a:r>
             <a:r>
-              <a:rPr lang="pt-BR" sz="3200" dirty="0" smtClean="0"/>
+              <a:rPr lang="pt-BR" sz="3200" dirty="0"/>
               <a:t>;</a:t>
             </a:r>
           </a:p>
@@ -13899,7 +13663,7 @@
               <a:t> </a:t>
             </a:r>
             <a:r>
-              <a:rPr lang="pt-BR" sz="3200" dirty="0" err="1" smtClean="0"/>
+              <a:rPr lang="pt-BR" sz="3200" dirty="0" err="1"/>
               <a:t>Skills</a:t>
             </a:r>
             <a:endParaRPr lang="pt-BR" sz="3200" dirty="0"/>
@@ -14109,10 +13873,9 @@
           <a:p>
             <a:pPr algn="r"/>
             <a:r>
-              <a:rPr lang="pt-BR" i="1" dirty="0" smtClean="0"/>
+              <a:rPr lang="pt-BR" i="1" dirty="0"/>
               <a:t>1874 - 1951</a:t>
             </a:r>
-            <a:endParaRPr lang="pt-BR" i="1" dirty="0"/>
           </a:p>
         </p:txBody>
       </p:sp>
@@ -14234,13 +13997,6 @@
   <p:clrMapOvr>
     <a:masterClrMapping/>
   </p:clrMapOvr>
-  <p:timing>
-    <p:tnLst>
-      <p:par>
-        <p:cTn id="1" dur="indefinite" restart="never" nodeType="tmRoot"/>
-      </p:par>
-    </p:tnLst>
-  </p:timing>
 </p:sld>
 </file>
 
@@ -14284,7 +14040,7 @@
           <a:lstStyle/>
           <a:p>
             <a:r>
-              <a:rPr lang="pt-BR" sz="4400" dirty="0" err="1" smtClean="0"/>
+              <a:rPr lang="pt-BR" sz="4400" dirty="0" err="1"/>
               <a:t>Composers</a:t>
             </a:r>
             <a:endParaRPr lang="en-AU" sz="4400" dirty="0"/>
@@ -14314,15 +14070,15 @@
           <a:lstStyle/>
           <a:p>
             <a:r>
-              <a:rPr lang="pt-BR" sz="2400" dirty="0" smtClean="0"/>
+              <a:rPr lang="pt-BR" sz="2400" dirty="0"/>
               <a:t> Philippe de </a:t>
             </a:r>
             <a:r>
-              <a:rPr lang="pt-BR" sz="2400" dirty="0" err="1" smtClean="0"/>
+              <a:rPr lang="pt-BR" sz="2400" dirty="0" err="1"/>
               <a:t>Vitri</a:t>
             </a:r>
             <a:r>
-              <a:rPr lang="pt-BR" sz="2400" dirty="0" smtClean="0"/>
+              <a:rPr lang="pt-BR" sz="2400" dirty="0"/>
               <a:t>;</a:t>
             </a:r>
             <a:endParaRPr lang="en-AU" sz="2400" dirty="0"/>
@@ -14355,22 +14111,17 @@
               <a:buChar char="v"/>
             </a:pPr>
             <a:r>
-              <a:rPr lang="en-AU" sz="2400" dirty="0" smtClean="0"/>
-              <a:t>Hildegard </a:t>
-            </a:r>
-            <a:r>
               <a:rPr lang="en-AU" sz="2400" dirty="0"/>
-              <a:t>Von </a:t>
-            </a:r>
-            <a:r>
-              <a:rPr lang="en-AU" sz="2400" dirty="0" err="1" smtClean="0"/>
+              <a:t>Hildegard Von </a:t>
+            </a:r>
+            <a:r>
+              <a:rPr lang="en-AU" sz="2400" dirty="0" err="1"/>
               <a:t>Bingen</a:t>
             </a:r>
             <a:r>
-              <a:rPr lang="en-AU" sz="2400" dirty="0" smtClean="0"/>
+              <a:rPr lang="en-AU" sz="2400" dirty="0"/>
               <a:t>;</a:t>
             </a:r>
-            <a:endParaRPr lang="en-AU" sz="2400" dirty="0"/>
           </a:p>
         </p:txBody>
       </p:sp>
@@ -14461,23 +14212,23 @@
               <a:buChar char="Ø"/>
             </a:pPr>
             <a:r>
-              <a:rPr lang="pt-BR" sz="2000" dirty="0" smtClean="0"/>
+              <a:rPr lang="pt-BR" sz="2000" dirty="0"/>
               <a:t> </a:t>
             </a:r>
             <a:r>
-              <a:rPr lang="pt-BR" sz="2000" dirty="0" err="1" smtClean="0"/>
+              <a:rPr lang="pt-BR" sz="2000" dirty="0" err="1"/>
               <a:t>created</a:t>
             </a:r>
             <a:r>
-              <a:rPr lang="pt-BR" sz="2000" dirty="0" smtClean="0"/>
+              <a:rPr lang="pt-BR" sz="2000" dirty="0"/>
               <a:t> </a:t>
             </a:r>
             <a:r>
-              <a:rPr lang="pt-BR" sz="2000" dirty="0" err="1" smtClean="0"/>
+              <a:rPr lang="pt-BR" sz="2000" dirty="0" err="1"/>
               <a:t>Ars</a:t>
             </a:r>
             <a:r>
-              <a:rPr lang="pt-BR" sz="2000" dirty="0" smtClean="0"/>
+              <a:rPr lang="pt-BR" sz="2000" dirty="0"/>
               <a:t> Nova;</a:t>
             </a:r>
             <a:endParaRPr lang="en-AU" sz="2000" dirty="0"/>
@@ -14511,31 +14262,31 @@
               <a:buChar char="Ø"/>
             </a:pPr>
             <a:r>
-              <a:rPr lang="pt-BR" sz="2000" dirty="0" smtClean="0"/>
+              <a:rPr lang="pt-BR" sz="2000" dirty="0"/>
               <a:t> Break </a:t>
             </a:r>
             <a:r>
-              <a:rPr lang="pt-BR" sz="2000" dirty="0" err="1" smtClean="0"/>
+              <a:rPr lang="pt-BR" sz="2000" dirty="0" err="1"/>
               <a:t>preconception</a:t>
             </a:r>
             <a:r>
-              <a:rPr lang="pt-BR" sz="2000" dirty="0" smtClean="0"/>
+              <a:rPr lang="pt-BR" sz="2000" dirty="0"/>
               <a:t> </a:t>
             </a:r>
             <a:r>
-              <a:rPr lang="pt-BR" sz="2000" dirty="0" err="1" smtClean="0"/>
+              <a:rPr lang="pt-BR" sz="2000" dirty="0" err="1"/>
               <a:t>against</a:t>
             </a:r>
             <a:r>
-              <a:rPr lang="pt-BR" sz="2000" dirty="0" smtClean="0"/>
+              <a:rPr lang="pt-BR" sz="2000" dirty="0"/>
               <a:t> </a:t>
             </a:r>
             <a:r>
-              <a:rPr lang="pt-BR" sz="2000" dirty="0" err="1" smtClean="0"/>
+              <a:rPr lang="pt-BR" sz="2000" dirty="0" err="1"/>
               <a:t>woman</a:t>
             </a:r>
             <a:r>
-              <a:rPr lang="pt-BR" sz="2000" dirty="0" smtClean="0"/>
+              <a:rPr lang="pt-BR" sz="2000" dirty="0"/>
               <a:t>.</a:t>
             </a:r>
             <a:endParaRPr lang="en-AU" sz="2000" dirty="0"/>
@@ -14565,7 +14316,7 @@
           <a:lstStyle/>
           <a:p>
             <a:r>
-              <a:rPr lang="pt-BR" dirty="0" smtClean="0"/>
+              <a:rPr lang="pt-BR" dirty="0"/>
               <a:t>(1098 – 1170)</a:t>
             </a:r>
             <a:endParaRPr lang="en-AU" dirty="0"/>
@@ -14595,7 +14346,7 @@
           <a:lstStyle/>
           <a:p>
             <a:r>
-              <a:rPr lang="pt-BR" dirty="0" smtClean="0"/>
+              <a:rPr lang="pt-BR" dirty="0"/>
               <a:t>(1291 – 1361)</a:t>
             </a:r>
             <a:endParaRPr lang="en-AU" dirty="0"/>
@@ -14612,13 +14363,6 @@
   <p:clrMapOvr>
     <a:masterClrMapping/>
   </p:clrMapOvr>
-  <p:timing>
-    <p:tnLst>
-      <p:par>
-        <p:cTn id="1" dur="indefinite" restart="never" nodeType="tmRoot"/>
-      </p:par>
-    </p:tnLst>
-  </p:timing>
 </p:sld>
 </file>
 
@@ -14662,15 +14406,15 @@
           <a:lstStyle/>
           <a:p>
             <a:r>
-              <a:rPr lang="pt-BR" sz="3200" dirty="0" err="1" smtClean="0"/>
+              <a:rPr lang="pt-BR" sz="3200" dirty="0" err="1"/>
               <a:t>Compositions</a:t>
             </a:r>
             <a:r>
-              <a:rPr lang="pt-BR" sz="3200" dirty="0" smtClean="0"/>
+              <a:rPr lang="pt-BR" sz="3200" dirty="0"/>
               <a:t> </a:t>
             </a:r>
             <a:r>
-              <a:rPr lang="pt-BR" sz="3200" dirty="0" err="1" smtClean="0"/>
+              <a:rPr lang="pt-BR" sz="3200" dirty="0" err="1"/>
               <a:t>monophonic</a:t>
             </a:r>
             <a:endParaRPr lang="en-AU" sz="3200" dirty="0"/>
@@ -14701,26 +14445,22 @@
           <a:p>
             <a:pPr lvl="0"/>
             <a:r>
-              <a:rPr lang="en-AU" sz="2400" dirty="0" smtClean="0"/>
+              <a:rPr lang="en-AU" sz="2400" dirty="0"/>
               <a:t> </a:t>
             </a:r>
             <a:r>
-              <a:rPr lang="en-AU" sz="2400" dirty="0" err="1" smtClean="0"/>
+              <a:rPr lang="en-AU" sz="2400" dirty="0" err="1"/>
               <a:t>Adorate</a:t>
             </a:r>
             <a:r>
-              <a:rPr lang="en-AU" sz="2400" dirty="0" smtClean="0"/>
-              <a:t> </a:t>
-            </a:r>
-            <a:r>
               <a:rPr lang="en-AU" sz="2400" dirty="0"/>
-              <a:t>Deum;</a:t>
+              <a:t> Deum;</a:t>
             </a:r>
           </a:p>
           <a:p>
             <a:pPr lvl="0"/>
             <a:r>
-              <a:rPr lang="en-AU" sz="2400" dirty="0" smtClean="0"/>
+              <a:rPr lang="en-AU" sz="2400" dirty="0"/>
               <a:t> Kyrie </a:t>
             </a:r>
             <a:r>
@@ -14728,7 +14468,7 @@
               <a:t>Eleison</a:t>
             </a:r>
             <a:r>
-              <a:rPr lang="en-AU" sz="2400" dirty="0" smtClean="0"/>
+              <a:rPr lang="en-AU" sz="2400" dirty="0"/>
               <a:t>;</a:t>
             </a:r>
           </a:p>
@@ -14763,18 +14503,18 @@
               <a:t> </a:t>
             </a:r>
             <a:r>
-              <a:rPr lang="pt-BR" sz="2400" dirty="0" err="1" smtClean="0"/>
+              <a:rPr lang="pt-BR" sz="2400" dirty="0" err="1"/>
               <a:t>revelationum</a:t>
             </a:r>
             <a:r>
-              <a:rPr lang="pt-BR" sz="2400" dirty="0" smtClean="0"/>
+              <a:rPr lang="pt-BR" sz="2400" dirty="0"/>
               <a:t>;</a:t>
             </a:r>
           </a:p>
           <a:p>
             <a:pPr lvl="0"/>
             <a:r>
-              <a:rPr lang="pt-BR" sz="2400" dirty="0" smtClean="0"/>
+              <a:rPr lang="pt-BR" sz="2400" dirty="0"/>
               <a:t>Ordo </a:t>
             </a:r>
             <a:r>
@@ -14783,11 +14523,7 @@
             </a:r>
             <a:r>
               <a:rPr lang="pt-BR" sz="2400" dirty="0"/>
-              <a:t>. </a:t>
-            </a:r>
-            <a:r>
-              <a:rPr lang="pt-BR" sz="2400" dirty="0" smtClean="0"/>
-              <a:t>       </a:t>
+              <a:t>.        </a:t>
             </a:r>
           </a:p>
           <a:p>
@@ -14796,17 +14532,12 @@
             </a:pPr>
             <a:r>
               <a:rPr lang="pt-BR" sz="2400" b="1" dirty="0"/>
+              <a:t>                                     </a:t>
+            </a:r>
+            <a:r>
+              <a:rPr lang="en-AU" sz="2400" b="1" dirty="0"/>
               <a:t> </a:t>
             </a:r>
-            <a:r>
-              <a:rPr lang="pt-BR" sz="2400" b="1" dirty="0" smtClean="0"/>
-              <a:t>                                    </a:t>
-            </a:r>
-            <a:r>
-              <a:rPr lang="en-AU" sz="2400" b="1" dirty="0" smtClean="0"/>
-              <a:t> </a:t>
-            </a:r>
-            <a:endParaRPr lang="en-AU" sz="2400" b="1" dirty="0"/>
           </a:p>
           <a:p>
             <a:pPr indent="0">
@@ -14961,15 +14692,15 @@
           <a:lstStyle/>
           <a:p>
             <a:r>
-              <a:rPr lang="pt-BR" dirty="0" smtClean="0"/>
+              <a:rPr lang="pt-BR" dirty="0"/>
               <a:t>Male </a:t>
             </a:r>
             <a:r>
-              <a:rPr lang="pt-BR" dirty="0" err="1" smtClean="0"/>
+              <a:rPr lang="pt-BR" dirty="0" err="1"/>
               <a:t>Voice</a:t>
             </a:r>
             <a:r>
-              <a:rPr lang="pt-BR" dirty="0" smtClean="0"/>
+              <a:rPr lang="pt-BR" dirty="0"/>
               <a:t> </a:t>
             </a:r>
             <a:endParaRPr lang="en-AU" dirty="0"/>
@@ -14986,13 +14717,6 @@
   <p:clrMapOvr>
     <a:masterClrMapping/>
   </p:clrMapOvr>
-  <p:timing>
-    <p:tnLst>
-      <p:par>
-        <p:cTn id="1" dur="indefinite" restart="never" nodeType="tmRoot"/>
-      </p:par>
-    </p:tnLst>
-  </p:timing>
 </p:sld>
 </file>
 
@@ -15035,10 +14759,9 @@
           <a:lstStyle/>
           <a:p>
             <a:r>
-              <a:rPr lang="pt-BR" sz="5400" b="1" dirty="0" smtClean="0"/>
+              <a:rPr lang="pt-BR" sz="5400" b="1" dirty="0"/>
               <a:t>RENASCIMENT</a:t>
             </a:r>
-            <a:endParaRPr lang="pt-BR" sz="5400" b="1" dirty="0"/>
           </a:p>
         </p:txBody>
       </p:sp>
@@ -15068,12 +14791,8 @@
               <a:buChar char="v"/>
             </a:pPr>
             <a:r>
-              <a:rPr lang="en-AU" sz="2400" dirty="0" smtClean="0"/>
-              <a:t> From </a:t>
-            </a:r>
-            <a:r>
               <a:rPr lang="en-AU" sz="2400" dirty="0"/>
-              <a:t>16</a:t>
+              <a:t> From 16</a:t>
             </a:r>
             <a:r>
               <a:rPr lang="en-AU" sz="2400" baseline="30000" dirty="0"/>
@@ -15089,11 +14808,7 @@
             </a:r>
             <a:r>
               <a:rPr lang="en-AU" sz="2400" dirty="0"/>
-              <a:t> </a:t>
-            </a:r>
-            <a:r>
-              <a:rPr lang="en-AU" sz="2400" dirty="0" smtClean="0"/>
-              <a:t>century;</a:t>
+              <a:t> century;</a:t>
             </a:r>
           </a:p>
           <a:p>
@@ -15103,11 +14818,7 @@
             </a:pPr>
             <a:r>
               <a:rPr lang="en-AU" sz="2400" dirty="0"/>
-              <a:t> </a:t>
-            </a:r>
-            <a:r>
-              <a:rPr lang="en-AU" sz="2400" dirty="0" smtClean="0"/>
-              <a:t>Eliminate Medieval Period;</a:t>
+              <a:t> Eliminate Medieval Period;</a:t>
             </a:r>
           </a:p>
           <a:p>
@@ -15116,7 +14827,7 @@
               <a:buChar char="v"/>
             </a:pPr>
             <a:r>
-              <a:rPr lang="en-AU" sz="2400" dirty="0" smtClean="0"/>
+              <a:rPr lang="en-AU" sz="2400" dirty="0"/>
               <a:t> Eliminate the concept Heaven X Hell;</a:t>
             </a:r>
           </a:p>
@@ -15127,11 +14838,7 @@
             </a:pPr>
             <a:r>
               <a:rPr lang="en-AU" sz="2400" dirty="0"/>
-              <a:t> </a:t>
-            </a:r>
-            <a:r>
-              <a:rPr lang="en-AU" sz="2400" dirty="0" smtClean="0"/>
-              <a:t>Study the Science as a whole;</a:t>
+              <a:t> Study the Science as a whole;</a:t>
             </a:r>
             <a:endParaRPr lang="pt-BR" sz="2400" dirty="0"/>
           </a:p>
@@ -15164,18 +14871,17 @@
               <a:buChar char="Ø"/>
             </a:pPr>
             <a:r>
-              <a:rPr lang="pt-BR" sz="2800" dirty="0" smtClean="0"/>
+              <a:rPr lang="pt-BR" sz="2800" dirty="0"/>
               <a:t> </a:t>
             </a:r>
             <a:r>
-              <a:rPr lang="pt-BR" sz="2800" dirty="0" err="1" smtClean="0"/>
+              <a:rPr lang="pt-BR" sz="2800" dirty="0" err="1"/>
               <a:t>Humanist</a:t>
             </a:r>
             <a:r>
-              <a:rPr lang="pt-BR" sz="2800" dirty="0" smtClean="0"/>
+              <a:rPr lang="pt-BR" sz="2800" dirty="0"/>
               <a:t>;</a:t>
             </a:r>
-            <a:endParaRPr lang="pt-BR" sz="2800" dirty="0"/>
           </a:p>
         </p:txBody>
       </p:sp>
@@ -15206,18 +14912,17 @@
               <a:buChar char="Ø"/>
             </a:pPr>
             <a:r>
-              <a:rPr lang="pt-BR" sz="2800" dirty="0" smtClean="0"/>
+              <a:rPr lang="pt-BR" sz="2800" dirty="0"/>
               <a:t> </a:t>
             </a:r>
             <a:r>
-              <a:rPr lang="pt-BR" sz="2800" dirty="0" err="1" smtClean="0"/>
+              <a:rPr lang="pt-BR" sz="2800" dirty="0" err="1"/>
               <a:t>Anthropocentrism</a:t>
             </a:r>
             <a:r>
-              <a:rPr lang="pt-BR" sz="2800" dirty="0" smtClean="0"/>
+              <a:rPr lang="pt-BR" sz="2800" dirty="0"/>
               <a:t>;</a:t>
             </a:r>
-            <a:endParaRPr lang="pt-BR" sz="2800" dirty="0"/>
           </a:p>
         </p:txBody>
       </p:sp>
@@ -15248,18 +14953,17 @@
               <a:buChar char="Ø"/>
             </a:pPr>
             <a:r>
-              <a:rPr lang="pt-BR" sz="2800" dirty="0" smtClean="0"/>
+              <a:rPr lang="pt-BR" sz="2800" dirty="0"/>
               <a:t> </a:t>
             </a:r>
             <a:r>
-              <a:rPr lang="pt-BR" sz="2800" dirty="0" err="1" smtClean="0"/>
+              <a:rPr lang="pt-BR" sz="2800" dirty="0" err="1"/>
               <a:t>Heliocentric</a:t>
             </a:r>
             <a:r>
-              <a:rPr lang="pt-BR" sz="2800" dirty="0" smtClean="0"/>
+              <a:rPr lang="pt-BR" sz="2800" dirty="0"/>
               <a:t>;</a:t>
             </a:r>
-            <a:endParaRPr lang="pt-BR" sz="2800" dirty="0"/>
           </a:p>
         </p:txBody>
       </p:sp>
@@ -15273,13 +14977,6 @@
   <p:clrMapOvr>
     <a:masterClrMapping/>
   </p:clrMapOvr>
-  <p:timing>
-    <p:tnLst>
-      <p:par>
-        <p:cTn id="1" dur="indefinite" restart="never" nodeType="tmRoot"/>
-      </p:par>
-    </p:tnLst>
-  </p:timing>
 </p:sld>
 </file>
 
@@ -15326,7 +15023,7 @@
               <a:buChar char="v"/>
             </a:pPr>
             <a:r>
-              <a:rPr lang="en-AU" sz="2800" dirty="0" smtClean="0"/>
+              <a:rPr lang="en-AU" sz="2800" dirty="0"/>
               <a:t> Dante Alighieri;</a:t>
             </a:r>
           </a:p>
@@ -15336,15 +15033,15 @@
               <a:buChar char="v"/>
             </a:pPr>
             <a:r>
-              <a:rPr lang="en-AU" sz="2800" dirty="0" smtClean="0"/>
+              <a:rPr lang="en-AU" sz="2800" dirty="0"/>
               <a:t> </a:t>
             </a:r>
             <a:r>
-              <a:rPr lang="en-AU" sz="2800" dirty="0" err="1" smtClean="0"/>
+              <a:rPr lang="en-AU" sz="2800" dirty="0" err="1"/>
               <a:t>Marquiavel</a:t>
             </a:r>
             <a:r>
-              <a:rPr lang="en-AU" sz="2800" dirty="0" smtClean="0"/>
+              <a:rPr lang="en-AU" sz="2800" dirty="0"/>
               <a:t>; </a:t>
             </a:r>
           </a:p>
@@ -15354,16 +15051,8 @@
               <a:buChar char="v"/>
             </a:pPr>
             <a:r>
-              <a:rPr lang="en-AU" sz="2800" dirty="0" smtClean="0"/>
-              <a:t> Leonardo </a:t>
-            </a:r>
-            <a:r>
               <a:rPr lang="en-AU" sz="2800" dirty="0"/>
-              <a:t>da </a:t>
-            </a:r>
-            <a:r>
-              <a:rPr lang="en-AU" sz="2800" dirty="0" smtClean="0"/>
-              <a:t>Vinci; </a:t>
+              <a:t> Leonardo da Vinci; </a:t>
             </a:r>
           </a:p>
           <a:p>
@@ -15372,7 +15061,7 @@
               <a:buChar char="v"/>
             </a:pPr>
             <a:r>
-              <a:rPr lang="en-AU" sz="2800" dirty="0" smtClean="0"/>
+              <a:rPr lang="en-AU" sz="2800" dirty="0"/>
               <a:t> Michelangelo; </a:t>
             </a:r>
           </a:p>
@@ -15382,12 +15071,8 @@
               <a:buChar char="v"/>
             </a:pPr>
             <a:r>
-              <a:rPr lang="en-AU" sz="2800" dirty="0" smtClean="0"/>
-              <a:t> Rafael</a:t>
-            </a:r>
-            <a:r>
               <a:rPr lang="en-AU" sz="2800" dirty="0"/>
-              <a:t>;</a:t>
+              <a:t> Rafael;</a:t>
             </a:r>
             <a:endParaRPr lang="pt-BR" sz="2800" dirty="0"/>
           </a:p>
@@ -15444,11 +15129,11 @@
           <a:lstStyle/>
           <a:p>
             <a:r>
-              <a:rPr lang="en-AU" sz="5400" dirty="0" smtClean="0"/>
+              <a:rPr lang="en-AU" sz="5400" dirty="0"/>
               <a:t>Artists</a:t>
             </a:r>
             <a:r>
-              <a:rPr lang="en-AU" sz="6000" dirty="0" smtClean="0"/>
+              <a:rPr lang="en-AU" sz="6000" dirty="0"/>
               <a:t>:</a:t>
             </a:r>
             <a:endParaRPr lang="pt-BR" sz="6000" dirty="0"/>
@@ -15481,7 +15166,7 @@
               <a:buChar char="v"/>
             </a:pPr>
             <a:r>
-              <a:rPr lang="en-AU" sz="3200" dirty="0" smtClean="0"/>
+              <a:rPr lang="en-AU" sz="3200" dirty="0"/>
               <a:t>Socrates; </a:t>
             </a:r>
           </a:p>
@@ -15491,7 +15176,7 @@
               <a:buChar char="v"/>
             </a:pPr>
             <a:r>
-              <a:rPr lang="en-AU" sz="3200" dirty="0" smtClean="0"/>
+              <a:rPr lang="en-AU" sz="3200" dirty="0"/>
               <a:t>Platan; </a:t>
             </a:r>
           </a:p>
@@ -15501,12 +15186,8 @@
               <a:buChar char="v"/>
             </a:pPr>
             <a:r>
-              <a:rPr lang="en-AU" sz="3200" dirty="0" smtClean="0"/>
-              <a:t>Aristotles</a:t>
-            </a:r>
-            <a:r>
               <a:rPr lang="en-AU" sz="3200" dirty="0"/>
-              <a:t>;</a:t>
+              <a:t>Aristotles;</a:t>
             </a:r>
             <a:endParaRPr lang="pt-BR" sz="3200" dirty="0"/>
           </a:p>
@@ -15522,13 +15203,6 @@
   <p:clrMapOvr>
     <a:masterClrMapping/>
   </p:clrMapOvr>
-  <p:timing>
-    <p:tnLst>
-      <p:par>
-        <p:cTn id="1" dur="indefinite" restart="never" nodeType="tmRoot"/>
-      </p:par>
-    </p:tnLst>
-  </p:timing>
 </p:sld>
 </file>
 
@@ -15572,23 +15246,23 @@
           <a:lstStyle/>
           <a:p>
             <a:r>
-              <a:rPr lang="pt-BR" sz="4800" b="1" dirty="0" err="1" smtClean="0"/>
+              <a:rPr lang="pt-BR" sz="4800" b="1" dirty="0" err="1"/>
               <a:t>Josquin</a:t>
             </a:r>
             <a:r>
-              <a:rPr lang="pt-BR" sz="4800" b="1" dirty="0" smtClean="0"/>
+              <a:rPr lang="pt-BR" sz="4800" b="1" dirty="0"/>
               <a:t> </a:t>
             </a:r>
             <a:r>
-              <a:rPr lang="pt-BR" sz="4800" b="1" dirty="0" err="1" smtClean="0"/>
+              <a:rPr lang="pt-BR" sz="4800" b="1" dirty="0" err="1"/>
               <a:t>des</a:t>
             </a:r>
             <a:r>
-              <a:rPr lang="pt-BR" sz="4800" b="1" dirty="0" smtClean="0"/>
+              <a:rPr lang="pt-BR" sz="4800" b="1" dirty="0"/>
               <a:t> </a:t>
             </a:r>
             <a:r>
-              <a:rPr lang="pt-BR" sz="4800" b="1" dirty="0" err="1" smtClean="0"/>
+              <a:rPr lang="pt-BR" sz="4800" b="1" dirty="0" err="1"/>
               <a:t>préz</a:t>
             </a:r>
             <a:endParaRPr lang="pt-BR" sz="4800" b="1" dirty="0"/>
@@ -15618,56 +15292,55 @@
           <a:lstStyle/>
           <a:p>
             <a:r>
-              <a:rPr lang="pt-BR" sz="3200" dirty="0" smtClean="0"/>
+              <a:rPr lang="pt-BR" sz="3200" dirty="0"/>
               <a:t> </a:t>
             </a:r>
             <a:r>
-              <a:rPr lang="pt-BR" sz="3200" dirty="0" err="1" smtClean="0"/>
+              <a:rPr lang="pt-BR" sz="3200" dirty="0" err="1"/>
               <a:t>Nationality</a:t>
             </a:r>
             <a:r>
-              <a:rPr lang="pt-BR" sz="3200" dirty="0" smtClean="0"/>
+              <a:rPr lang="pt-BR" sz="3200" dirty="0"/>
               <a:t>;</a:t>
             </a:r>
           </a:p>
           <a:p>
             <a:r>
-              <a:rPr lang="pt-BR" sz="3200" dirty="0" smtClean="0"/>
+              <a:rPr lang="pt-BR" sz="3200" dirty="0"/>
               <a:t> </a:t>
             </a:r>
             <a:r>
-              <a:rPr lang="pt-BR" sz="3200" dirty="0" err="1" smtClean="0"/>
+              <a:rPr lang="pt-BR" sz="3200" dirty="0" err="1"/>
               <a:t>Infance</a:t>
             </a:r>
             <a:r>
-              <a:rPr lang="pt-BR" sz="3200" dirty="0" smtClean="0"/>
+              <a:rPr lang="pt-BR" sz="3200" dirty="0"/>
               <a:t>;</a:t>
             </a:r>
           </a:p>
           <a:p>
             <a:r>
-              <a:rPr lang="pt-BR" sz="3200" dirty="0" smtClean="0"/>
+              <a:rPr lang="pt-BR" sz="3200" dirty="0"/>
               <a:t> </a:t>
             </a:r>
             <a:r>
-              <a:rPr lang="pt-BR" sz="3200" dirty="0" err="1" smtClean="0"/>
+              <a:rPr lang="pt-BR" sz="3200" dirty="0" err="1"/>
               <a:t>Compositions</a:t>
             </a:r>
             <a:r>
-              <a:rPr lang="pt-BR" sz="3200" dirty="0" smtClean="0"/>
+              <a:rPr lang="pt-BR" sz="3200" dirty="0"/>
               <a:t>;</a:t>
             </a:r>
           </a:p>
           <a:p>
             <a:r>
-              <a:rPr lang="pt-BR" sz="3200" dirty="0" err="1" smtClean="0"/>
+              <a:rPr lang="pt-BR" sz="3200" dirty="0" err="1"/>
               <a:t>Skills</a:t>
             </a:r>
             <a:r>
-              <a:rPr lang="pt-BR" sz="3200" dirty="0" smtClean="0"/>
+              <a:rPr lang="pt-BR" sz="3200" dirty="0"/>
               <a:t>; </a:t>
             </a:r>
-            <a:endParaRPr lang="pt-BR" sz="3200" dirty="0"/>
           </a:p>
         </p:txBody>
       </p:sp>
@@ -15777,13 +15450,6 @@
   <p:clrMapOvr>
     <a:masterClrMapping/>
   </p:clrMapOvr>
-  <p:timing>
-    <p:tnLst>
-      <p:par>
-        <p:cTn id="1" dur="indefinite" restart="never" nodeType="tmRoot"/>
-      </p:par>
-    </p:tnLst>
-  </p:timing>
 </p:sld>
 </file>
 
@@ -15827,11 +15493,11 @@
           <a:lstStyle/>
           <a:p>
             <a:r>
-              <a:rPr lang="pt-BR" b="1" dirty="0" smtClean="0"/>
+              <a:rPr lang="pt-BR" b="1" dirty="0"/>
               <a:t>Giovanni da </a:t>
             </a:r>
             <a:r>
-              <a:rPr lang="pt-BR" b="1" dirty="0" err="1" smtClean="0"/>
+              <a:rPr lang="pt-BR" b="1" dirty="0" err="1"/>
               <a:t>palestrina</a:t>
             </a:r>
             <a:endParaRPr lang="pt-BR" b="1" dirty="0"/>
@@ -15861,56 +15527,55 @@
           <a:lstStyle/>
           <a:p>
             <a:r>
-              <a:rPr lang="pt-BR" sz="3200" dirty="0" smtClean="0"/>
+              <a:rPr lang="pt-BR" sz="3200" dirty="0"/>
               <a:t> </a:t>
             </a:r>
             <a:r>
-              <a:rPr lang="pt-BR" sz="3200" dirty="0" err="1" smtClean="0"/>
+              <a:rPr lang="pt-BR" sz="3200" dirty="0" err="1"/>
               <a:t>Nationality</a:t>
             </a:r>
             <a:r>
-              <a:rPr lang="pt-BR" sz="3200" dirty="0" smtClean="0"/>
+              <a:rPr lang="pt-BR" sz="3200" dirty="0"/>
               <a:t>;</a:t>
             </a:r>
           </a:p>
           <a:p>
             <a:r>
-              <a:rPr lang="pt-BR" sz="3200" dirty="0" smtClean="0"/>
+              <a:rPr lang="pt-BR" sz="3200" dirty="0"/>
               <a:t> </a:t>
             </a:r>
             <a:r>
-              <a:rPr lang="pt-BR" sz="3200" dirty="0" err="1" smtClean="0"/>
+              <a:rPr lang="pt-BR" sz="3200" dirty="0" err="1"/>
               <a:t>Infance</a:t>
             </a:r>
             <a:r>
-              <a:rPr lang="pt-BR" sz="3200" dirty="0" smtClean="0"/>
+              <a:rPr lang="pt-BR" sz="3200" dirty="0"/>
               <a:t>;</a:t>
             </a:r>
           </a:p>
           <a:p>
             <a:r>
-              <a:rPr lang="pt-BR" sz="3200" dirty="0" smtClean="0"/>
+              <a:rPr lang="pt-BR" sz="3200" dirty="0"/>
               <a:t> </a:t>
             </a:r>
             <a:r>
-              <a:rPr lang="pt-BR" sz="3200" dirty="0" err="1" smtClean="0"/>
+              <a:rPr lang="pt-BR" sz="3200" dirty="0" err="1"/>
               <a:t>Compositions</a:t>
             </a:r>
             <a:r>
-              <a:rPr lang="pt-BR" sz="3200" dirty="0" smtClean="0"/>
+              <a:rPr lang="pt-BR" sz="3200" dirty="0"/>
               <a:t>;</a:t>
             </a:r>
           </a:p>
           <a:p>
             <a:r>
-              <a:rPr lang="pt-BR" sz="3200" dirty="0" err="1" smtClean="0"/>
+              <a:rPr lang="pt-BR" sz="3200" dirty="0" err="1"/>
               <a:t>Skills</a:t>
             </a:r>
             <a:r>
-              <a:rPr lang="pt-BR" sz="3200" dirty="0" smtClean="0"/>
+              <a:rPr lang="pt-BR" sz="3200" dirty="0"/>
               <a:t>; </a:t>
             </a:r>
-            <a:endParaRPr lang="pt-BR" sz="3200" dirty="0"/>
           </a:p>
         </p:txBody>
       </p:sp>
@@ -15941,14 +15606,13 @@
               <a:t>(</a:t>
             </a:r>
             <a:r>
-              <a:rPr lang="pt-BR" i="1" dirty="0" smtClean="0"/>
+              <a:rPr lang="pt-BR" i="1" dirty="0"/>
               <a:t>1525/1594</a:t>
             </a:r>
             <a:r>
-              <a:rPr lang="pt-BR" dirty="0" smtClean="0"/>
+              <a:rPr lang="pt-BR" dirty="0"/>
               <a:t>)</a:t>
             </a:r>
-            <a:endParaRPr lang="pt-BR" dirty="0"/>
           </a:p>
         </p:txBody>
       </p:sp>
@@ -16021,13 +15685,6 @@
   <p:clrMapOvr>
     <a:masterClrMapping/>
   </p:clrMapOvr>
-  <p:timing>
-    <p:tnLst>
-      <p:par>
-        <p:cTn id="1" dur="indefinite" restart="never" nodeType="tmRoot"/>
-      </p:par>
-    </p:tnLst>
-  </p:timing>
 </p:sld>
 </file>
 
